--- a/Plantilla presentacion final.pptx
+++ b/Plantilla presentacion final.pptx
@@ -5,17 +5,26 @@
     <p:sldMasterId id="2147483810" r:id="rId1"/>
   </p:sldMasterIdLst>
   <p:notesMasterIdLst>
-    <p:notesMasterId r:id="rId10"/>
+    <p:notesMasterId r:id="rId19"/>
   </p:notesMasterIdLst>
   <p:sldIdLst>
     <p:sldId id="256" r:id="rId2"/>
     <p:sldId id="258" r:id="rId3"/>
     <p:sldId id="259" r:id="rId4"/>
-    <p:sldId id="260" r:id="rId5"/>
-    <p:sldId id="261" r:id="rId6"/>
-    <p:sldId id="262" r:id="rId7"/>
-    <p:sldId id="263" r:id="rId8"/>
-    <p:sldId id="264" r:id="rId9"/>
+    <p:sldId id="270" r:id="rId5"/>
+    <p:sldId id="271" r:id="rId6"/>
+    <p:sldId id="272" r:id="rId7"/>
+    <p:sldId id="260" r:id="rId8"/>
+    <p:sldId id="266" r:id="rId9"/>
+    <p:sldId id="267" r:id="rId10"/>
+    <p:sldId id="261" r:id="rId11"/>
+    <p:sldId id="268" r:id="rId12"/>
+    <p:sldId id="269" r:id="rId13"/>
+    <p:sldId id="262" r:id="rId14"/>
+    <p:sldId id="273" r:id="rId15"/>
+    <p:sldId id="274" r:id="rId16"/>
+    <p:sldId id="263" r:id="rId17"/>
+    <p:sldId id="264" r:id="rId18"/>
   </p:sldIdLst>
   <p:sldSz cx="12192000" cy="6858000"/>
   <p:notesSz cx="6858000" cy="9144000"/>
@@ -4182,7 +4191,7 @@
         </p:blipFill>
         <p:spPr bwMode="auto">
           <a:xfrm>
-            <a:off x="9284426" y="13062"/>
+            <a:off x="9023169" y="378822"/>
             <a:ext cx="2001883" cy="524910"/>
           </a:xfrm>
           <a:prstGeom prst="rect">
@@ -4220,6 +4229,1338 @@
 </p:sld>
 </file>
 
+<file path=ppt/slides/slide10.xml><?xml version="1.0" encoding="utf-8"?>
+<p:sld xmlns:a="http://schemas.openxmlformats.org/drawingml/2006/main" xmlns:r="http://schemas.openxmlformats.org/officeDocument/2006/relationships" xmlns:p="http://schemas.openxmlformats.org/presentationml/2006/main">
+  <p:cSld>
+    <p:spTree>
+      <p:nvGrpSpPr>
+        <p:cNvPr id="1" name=""/>
+        <p:cNvGrpSpPr/>
+        <p:nvPr/>
+      </p:nvGrpSpPr>
+      <p:grpSpPr>
+        <a:xfrm>
+          <a:off x="0" y="0"/>
+          <a:ext cx="0" cy="0"/>
+          <a:chOff x="0" y="0"/>
+          <a:chExt cx="0" cy="0"/>
+        </a:xfrm>
+      </p:grpSpPr>
+      <p:sp>
+        <p:nvSpPr>
+          <p:cNvPr id="2" name="Title 1"/>
+          <p:cNvSpPr>
+            <a:spLocks noGrp="1"/>
+          </p:cNvSpPr>
+          <p:nvPr>
+            <p:ph type="title"/>
+          </p:nvPr>
+        </p:nvSpPr>
+        <p:spPr/>
+        <p:txBody>
+          <a:bodyPr/>
+          <a:lstStyle/>
+          <a:p>
+            <a:r>
+              <a:rPr lang="en-US" err="1" smtClean="0"/>
+              <a:t>Modelo</a:t>
+            </a:r>
+            <a:r>
+              <a:rPr lang="en-US" smtClean="0"/>
+              <a:t> de </a:t>
+            </a:r>
+            <a:r>
+              <a:rPr lang="en-US" err="1" smtClean="0"/>
+              <a:t>clases</a:t>
+            </a:r>
+            <a:endParaRPr lang="en-US"/>
+          </a:p>
+        </p:txBody>
+      </p:sp>
+      <p:sp>
+        <p:nvSpPr>
+          <p:cNvPr id="3" name="Content Placeholder 2"/>
+          <p:cNvSpPr>
+            <a:spLocks noGrp="1"/>
+          </p:cNvSpPr>
+          <p:nvPr>
+            <p:ph idx="1"/>
+          </p:nvPr>
+        </p:nvSpPr>
+        <p:spPr/>
+        <p:txBody>
+          <a:bodyPr>
+            <a:normAutofit/>
+          </a:bodyPr>
+          <a:lstStyle/>
+          <a:p>
+            <a:r>
+              <a:rPr lang="en-US" sz="6000" dirty="0"/>
+              <a:t>3</a:t>
+            </a:r>
+            <a:r>
+              <a:rPr lang="en-US" sz="6000" dirty="0" smtClean="0"/>
+              <a:t> </a:t>
+            </a:r>
+            <a:r>
+              <a:rPr lang="en-US" sz="6000" dirty="0" err="1" smtClean="0"/>
+              <a:t>paquetes</a:t>
+            </a:r>
+            <a:r>
+              <a:rPr lang="en-US" sz="6000" dirty="0" smtClean="0"/>
+              <a:t> Java</a:t>
+            </a:r>
+          </a:p>
+          <a:p>
+            <a:r>
+              <a:rPr lang="en-US" sz="6000" dirty="0"/>
+              <a:t>3</a:t>
+            </a:r>
+            <a:r>
+              <a:rPr lang="en-US" sz="6000" dirty="0" smtClean="0"/>
+              <a:t> </a:t>
+            </a:r>
+            <a:r>
+              <a:rPr lang="en-US" sz="6000" dirty="0" err="1" smtClean="0"/>
+              <a:t>paquetes</a:t>
+            </a:r>
+            <a:r>
+              <a:rPr lang="en-US" sz="6000" dirty="0" smtClean="0"/>
+              <a:t> .NET</a:t>
+            </a:r>
+            <a:endParaRPr lang="en-US" sz="6000" dirty="0"/>
+          </a:p>
+        </p:txBody>
+      </p:sp>
+      <p:sp>
+        <p:nvSpPr>
+          <p:cNvPr id="4" name="Slide Number Placeholder 3"/>
+          <p:cNvSpPr>
+            <a:spLocks noGrp="1"/>
+          </p:cNvSpPr>
+          <p:nvPr>
+            <p:ph type="sldNum" sz="quarter" idx="12"/>
+          </p:nvPr>
+        </p:nvSpPr>
+        <p:spPr/>
+        <p:txBody>
+          <a:bodyPr>
+            <a:normAutofit lnSpcReduction="10000"/>
+          </a:bodyPr>
+          <a:lstStyle/>
+          <a:p>
+            <a:fld id="{66B77C49-310C-4D67-A641-7D2CCF3E3B8A}" type="slidenum">
+              <a:rPr lang="es-CL" smtClean="0"/>
+              <a:t>9</a:t>
+            </a:fld>
+            <a:endParaRPr lang="es-CL"/>
+          </a:p>
+        </p:txBody>
+      </p:sp>
+    </p:spTree>
+    <p:extLst>
+      <p:ext uri="{BB962C8B-B14F-4D97-AF65-F5344CB8AC3E}">
+        <p14:creationId xmlns:p14="http://schemas.microsoft.com/office/powerpoint/2010/main" val="1819135733"/>
+      </p:ext>
+    </p:extLst>
+  </p:cSld>
+  <p:clrMapOvr>
+    <a:masterClrMapping/>
+  </p:clrMapOvr>
+</p:sld>
+</file>
+
+<file path=ppt/slides/slide11.xml><?xml version="1.0" encoding="utf-8"?>
+<p:sld xmlns:a="http://schemas.openxmlformats.org/drawingml/2006/main" xmlns:r="http://schemas.openxmlformats.org/officeDocument/2006/relationships" xmlns:p="http://schemas.openxmlformats.org/presentationml/2006/main">
+  <p:cSld>
+    <p:spTree>
+      <p:nvGrpSpPr>
+        <p:cNvPr id="1" name=""/>
+        <p:cNvGrpSpPr/>
+        <p:nvPr/>
+      </p:nvGrpSpPr>
+      <p:grpSpPr>
+        <a:xfrm>
+          <a:off x="0" y="0"/>
+          <a:ext cx="0" cy="0"/>
+          <a:chOff x="0" y="0"/>
+          <a:chExt cx="0" cy="0"/>
+        </a:xfrm>
+      </p:grpSpPr>
+      <p:sp>
+        <p:nvSpPr>
+          <p:cNvPr id="2" name="Title 1"/>
+          <p:cNvSpPr>
+            <a:spLocks noGrp="1"/>
+          </p:cNvSpPr>
+          <p:nvPr>
+            <p:ph type="title"/>
+          </p:nvPr>
+        </p:nvSpPr>
+        <p:spPr/>
+        <p:txBody>
+          <a:bodyPr/>
+          <a:lstStyle/>
+          <a:p>
+            <a:r>
+              <a:rPr lang="en-US" dirty="0" err="1" smtClean="0"/>
+              <a:t>Modelo</a:t>
+            </a:r>
+            <a:r>
+              <a:rPr lang="en-US" dirty="0" smtClean="0"/>
+              <a:t> de </a:t>
+            </a:r>
+            <a:r>
+              <a:rPr lang="en-US" dirty="0" err="1" smtClean="0"/>
+              <a:t>clases</a:t>
+            </a:r>
+            <a:endParaRPr lang="en-US" dirty="0"/>
+          </a:p>
+        </p:txBody>
+      </p:sp>
+      <p:sp>
+        <p:nvSpPr>
+          <p:cNvPr id="3" name="Content Placeholder 2"/>
+          <p:cNvSpPr>
+            <a:spLocks noGrp="1"/>
+          </p:cNvSpPr>
+          <p:nvPr>
+            <p:ph idx="1"/>
+          </p:nvPr>
+        </p:nvSpPr>
+        <p:spPr/>
+        <p:txBody>
+          <a:bodyPr>
+            <a:normAutofit/>
+          </a:bodyPr>
+          <a:lstStyle/>
+          <a:p>
+            <a:r>
+              <a:rPr lang="en-US" sz="3200" dirty="0" err="1" smtClean="0"/>
+              <a:t>Paquetes</a:t>
+            </a:r>
+            <a:r>
+              <a:rPr lang="en-US" sz="3200" dirty="0" smtClean="0"/>
+              <a:t> Java:</a:t>
+            </a:r>
+          </a:p>
+          <a:p>
+            <a:pPr lvl="1"/>
+            <a:r>
+              <a:rPr lang="en-US" sz="3000" dirty="0" err="1" smtClean="0"/>
+              <a:t>cmh.lib.dal</a:t>
+            </a:r>
+            <a:r>
+              <a:rPr lang="en-US" sz="3000" dirty="0" smtClean="0"/>
+              <a:t>: </a:t>
+            </a:r>
+            <a:r>
+              <a:rPr lang="en-US" sz="3000" dirty="0" err="1" smtClean="0"/>
+              <a:t>persistencia</a:t>
+            </a:r>
+            <a:endParaRPr lang="en-US" sz="3000" dirty="0" smtClean="0"/>
+          </a:p>
+          <a:p>
+            <a:pPr lvl="1"/>
+            <a:r>
+              <a:rPr lang="en-US" sz="3000" dirty="0" err="1" smtClean="0"/>
+              <a:t>cmh.webapp.bl</a:t>
+            </a:r>
+            <a:r>
+              <a:rPr lang="en-US" sz="3000" dirty="0" smtClean="0"/>
+              <a:t>: </a:t>
+            </a:r>
+            <a:r>
+              <a:rPr lang="en-US" sz="3000" dirty="0" err="1" smtClean="0"/>
+              <a:t>lógica</a:t>
+            </a:r>
+            <a:r>
+              <a:rPr lang="en-US" sz="3000" dirty="0" smtClean="0"/>
+              <a:t> de </a:t>
+            </a:r>
+            <a:r>
+              <a:rPr lang="en-US" sz="3000" dirty="0" err="1" smtClean="0"/>
+              <a:t>negocios</a:t>
+            </a:r>
+            <a:endParaRPr lang="en-US" sz="3000" dirty="0" smtClean="0"/>
+          </a:p>
+          <a:p>
+            <a:pPr lvl="1"/>
+            <a:r>
+              <a:rPr lang="en-US" sz="3000" dirty="0" err="1" smtClean="0"/>
+              <a:t>cmh.servpago</a:t>
+            </a:r>
+            <a:r>
+              <a:rPr lang="en-US" sz="3000" dirty="0" smtClean="0"/>
+              <a:t>: </a:t>
+            </a:r>
+            <a:r>
+              <a:rPr lang="en-US" sz="3000" dirty="0" err="1" smtClean="0"/>
+              <a:t>servicio</a:t>
+            </a:r>
+            <a:r>
+              <a:rPr lang="en-US" sz="3000" dirty="0" smtClean="0"/>
+              <a:t> de </a:t>
+            </a:r>
+            <a:r>
+              <a:rPr lang="en-US" sz="3000" dirty="0" err="1" smtClean="0"/>
+              <a:t>pago</a:t>
+            </a:r>
+            <a:r>
+              <a:rPr lang="en-US" sz="3000" dirty="0"/>
+              <a:t> </a:t>
+            </a:r>
+            <a:r>
+              <a:rPr lang="en-US" sz="3000" dirty="0" err="1" smtClean="0"/>
+              <a:t>automático</a:t>
+            </a:r>
+            <a:endParaRPr lang="en-US" sz="3000" dirty="0"/>
+          </a:p>
+        </p:txBody>
+      </p:sp>
+      <p:sp>
+        <p:nvSpPr>
+          <p:cNvPr id="4" name="Slide Number Placeholder 3"/>
+          <p:cNvSpPr>
+            <a:spLocks noGrp="1"/>
+          </p:cNvSpPr>
+          <p:nvPr>
+            <p:ph type="sldNum" sz="quarter" idx="12"/>
+          </p:nvPr>
+        </p:nvSpPr>
+        <p:spPr/>
+        <p:txBody>
+          <a:bodyPr>
+            <a:normAutofit lnSpcReduction="10000"/>
+          </a:bodyPr>
+          <a:lstStyle/>
+          <a:p>
+            <a:fld id="{66B77C49-310C-4D67-A641-7D2CCF3E3B8A}" type="slidenum">
+              <a:rPr lang="es-CL" smtClean="0"/>
+              <a:t>10</a:t>
+            </a:fld>
+            <a:endParaRPr lang="es-CL"/>
+          </a:p>
+        </p:txBody>
+      </p:sp>
+    </p:spTree>
+    <p:extLst>
+      <p:ext uri="{BB962C8B-B14F-4D97-AF65-F5344CB8AC3E}">
+        <p14:creationId xmlns:p14="http://schemas.microsoft.com/office/powerpoint/2010/main" val="823817472"/>
+      </p:ext>
+    </p:extLst>
+  </p:cSld>
+  <p:clrMapOvr>
+    <a:masterClrMapping/>
+  </p:clrMapOvr>
+</p:sld>
+</file>
+
+<file path=ppt/slides/slide12.xml><?xml version="1.0" encoding="utf-8"?>
+<p:sld xmlns:a="http://schemas.openxmlformats.org/drawingml/2006/main" xmlns:r="http://schemas.openxmlformats.org/officeDocument/2006/relationships" xmlns:p="http://schemas.openxmlformats.org/presentationml/2006/main">
+  <p:cSld>
+    <p:spTree>
+      <p:nvGrpSpPr>
+        <p:cNvPr id="1" name=""/>
+        <p:cNvGrpSpPr/>
+        <p:nvPr/>
+      </p:nvGrpSpPr>
+      <p:grpSpPr>
+        <a:xfrm>
+          <a:off x="0" y="0"/>
+          <a:ext cx="0" cy="0"/>
+          <a:chOff x="0" y="0"/>
+          <a:chExt cx="0" cy="0"/>
+        </a:xfrm>
+      </p:grpSpPr>
+      <p:sp>
+        <p:nvSpPr>
+          <p:cNvPr id="2" name="Title 1"/>
+          <p:cNvSpPr>
+            <a:spLocks noGrp="1"/>
+          </p:cNvSpPr>
+          <p:nvPr>
+            <p:ph type="title"/>
+          </p:nvPr>
+        </p:nvSpPr>
+        <p:spPr/>
+        <p:txBody>
+          <a:bodyPr/>
+          <a:lstStyle/>
+          <a:p>
+            <a:r>
+              <a:rPr lang="en-US" dirty="0" err="1" smtClean="0"/>
+              <a:t>Modelo</a:t>
+            </a:r>
+            <a:r>
+              <a:rPr lang="en-US" dirty="0" smtClean="0"/>
+              <a:t> de </a:t>
+            </a:r>
+            <a:r>
+              <a:rPr lang="en-US" dirty="0" err="1" smtClean="0"/>
+              <a:t>clases</a:t>
+            </a:r>
+            <a:endParaRPr lang="en-US" dirty="0"/>
+          </a:p>
+        </p:txBody>
+      </p:sp>
+      <p:sp>
+        <p:nvSpPr>
+          <p:cNvPr id="3" name="Content Placeholder 2"/>
+          <p:cNvSpPr>
+            <a:spLocks noGrp="1"/>
+          </p:cNvSpPr>
+          <p:nvPr>
+            <p:ph idx="1"/>
+          </p:nvPr>
+        </p:nvSpPr>
+        <p:spPr/>
+        <p:txBody>
+          <a:bodyPr>
+            <a:normAutofit/>
+          </a:bodyPr>
+          <a:lstStyle/>
+          <a:p>
+            <a:r>
+              <a:rPr lang="en-US" sz="3200" dirty="0" err="1" smtClean="0"/>
+              <a:t>Paquetes</a:t>
+            </a:r>
+            <a:r>
+              <a:rPr lang="en-US" sz="3200" dirty="0" smtClean="0"/>
+              <a:t> .NET:</a:t>
+            </a:r>
+          </a:p>
+          <a:p>
+            <a:pPr lvl="1"/>
+            <a:r>
+              <a:rPr lang="en-US" sz="3000" dirty="0" err="1" smtClean="0"/>
+              <a:t>CMH.Terminal.DAL</a:t>
+            </a:r>
+            <a:r>
+              <a:rPr lang="en-US" sz="3000" dirty="0" smtClean="0"/>
+              <a:t>: </a:t>
+            </a:r>
+            <a:r>
+              <a:rPr lang="en-US" sz="3000" dirty="0" err="1" smtClean="0"/>
+              <a:t>persistencia</a:t>
+            </a:r>
+            <a:r>
+              <a:rPr lang="en-US" sz="3000" dirty="0" smtClean="0"/>
+              <a:t> Entity Framework</a:t>
+            </a:r>
+          </a:p>
+          <a:p>
+            <a:pPr lvl="1"/>
+            <a:r>
+              <a:rPr lang="en-US" sz="3000" dirty="0" err="1" smtClean="0"/>
+              <a:t>CMH.Terminal.BL</a:t>
+            </a:r>
+            <a:r>
+              <a:rPr lang="en-US" sz="3000" dirty="0" smtClean="0"/>
+              <a:t>: </a:t>
+            </a:r>
+            <a:r>
+              <a:rPr lang="en-US" sz="3000" dirty="0" err="1" smtClean="0"/>
+              <a:t>lógica</a:t>
+            </a:r>
+            <a:r>
+              <a:rPr lang="en-US" sz="3000" dirty="0" smtClean="0"/>
+              <a:t> de </a:t>
+            </a:r>
+            <a:r>
+              <a:rPr lang="en-US" sz="3000" dirty="0" err="1" smtClean="0"/>
+              <a:t>negocios</a:t>
+            </a:r>
+            <a:r>
+              <a:rPr lang="en-US" sz="3000" dirty="0" smtClean="0"/>
+              <a:t> del terminal</a:t>
+            </a:r>
+          </a:p>
+          <a:p>
+            <a:pPr lvl="1"/>
+            <a:r>
+              <a:rPr lang="en-US" sz="3000" dirty="0" err="1" smtClean="0"/>
+              <a:t>CMH.Seguro</a:t>
+            </a:r>
+            <a:r>
+              <a:rPr lang="en-US" sz="3000" dirty="0" smtClean="0"/>
+              <a:t>: </a:t>
+            </a:r>
+            <a:r>
+              <a:rPr lang="en-US" sz="3000" dirty="0" err="1" smtClean="0"/>
+              <a:t>persistencia</a:t>
+            </a:r>
+            <a:r>
+              <a:rPr lang="en-US" sz="3000" dirty="0" smtClean="0"/>
+              <a:t>, </a:t>
+            </a:r>
+            <a:r>
+              <a:rPr lang="en-US" sz="3000" dirty="0" err="1" smtClean="0"/>
+              <a:t>lógica</a:t>
+            </a:r>
+            <a:r>
+              <a:rPr lang="en-US" sz="3000" dirty="0" smtClean="0"/>
+              <a:t> de </a:t>
+            </a:r>
+            <a:r>
+              <a:rPr lang="en-US" sz="3000" dirty="0" err="1" smtClean="0"/>
+              <a:t>negocios</a:t>
+            </a:r>
+            <a:r>
+              <a:rPr lang="en-US" sz="3000" dirty="0" smtClean="0"/>
+              <a:t> e </a:t>
+            </a:r>
+            <a:r>
+              <a:rPr lang="en-US" sz="3000" dirty="0" err="1" smtClean="0"/>
+              <a:t>implementación</a:t>
+            </a:r>
+            <a:r>
+              <a:rPr lang="en-US" sz="3000" dirty="0" smtClean="0"/>
+              <a:t> de web service.</a:t>
+            </a:r>
+          </a:p>
+        </p:txBody>
+      </p:sp>
+      <p:sp>
+        <p:nvSpPr>
+          <p:cNvPr id="4" name="Slide Number Placeholder 3"/>
+          <p:cNvSpPr>
+            <a:spLocks noGrp="1"/>
+          </p:cNvSpPr>
+          <p:nvPr>
+            <p:ph type="sldNum" sz="quarter" idx="12"/>
+          </p:nvPr>
+        </p:nvSpPr>
+        <p:spPr/>
+        <p:txBody>
+          <a:bodyPr>
+            <a:normAutofit lnSpcReduction="10000"/>
+          </a:bodyPr>
+          <a:lstStyle/>
+          <a:p>
+            <a:fld id="{66B77C49-310C-4D67-A641-7D2CCF3E3B8A}" type="slidenum">
+              <a:rPr lang="es-CL" smtClean="0"/>
+              <a:t>11</a:t>
+            </a:fld>
+            <a:endParaRPr lang="es-CL"/>
+          </a:p>
+        </p:txBody>
+      </p:sp>
+    </p:spTree>
+    <p:extLst>
+      <p:ext uri="{BB962C8B-B14F-4D97-AF65-F5344CB8AC3E}">
+        <p14:creationId xmlns:p14="http://schemas.microsoft.com/office/powerpoint/2010/main" val="1756908367"/>
+      </p:ext>
+    </p:extLst>
+  </p:cSld>
+  <p:clrMapOvr>
+    <a:masterClrMapping/>
+  </p:clrMapOvr>
+</p:sld>
+</file>
+
+<file path=ppt/slides/slide13.xml><?xml version="1.0" encoding="utf-8"?>
+<p:sld xmlns:a="http://schemas.openxmlformats.org/drawingml/2006/main" xmlns:r="http://schemas.openxmlformats.org/officeDocument/2006/relationships" xmlns:p="http://schemas.openxmlformats.org/presentationml/2006/main">
+  <p:cSld>
+    <p:spTree>
+      <p:nvGrpSpPr>
+        <p:cNvPr id="1" name=""/>
+        <p:cNvGrpSpPr/>
+        <p:nvPr/>
+      </p:nvGrpSpPr>
+      <p:grpSpPr>
+        <a:xfrm>
+          <a:off x="0" y="0"/>
+          <a:ext cx="0" cy="0"/>
+          <a:chOff x="0" y="0"/>
+          <a:chExt cx="0" cy="0"/>
+        </a:xfrm>
+      </p:grpSpPr>
+      <p:sp>
+        <p:nvSpPr>
+          <p:cNvPr id="2" name="Title 1"/>
+          <p:cNvSpPr>
+            <a:spLocks noGrp="1"/>
+          </p:cNvSpPr>
+          <p:nvPr>
+            <p:ph type="title"/>
+          </p:nvPr>
+        </p:nvSpPr>
+        <p:spPr/>
+        <p:txBody>
+          <a:bodyPr/>
+          <a:lstStyle/>
+          <a:p>
+            <a:r>
+              <a:rPr lang="en-US" err="1" smtClean="0"/>
+              <a:t>Modelo</a:t>
+            </a:r>
+            <a:r>
+              <a:rPr lang="en-US" smtClean="0"/>
+              <a:t> de </a:t>
+            </a:r>
+            <a:r>
+              <a:rPr lang="en-US" err="1" smtClean="0"/>
+              <a:t>datos</a:t>
+            </a:r>
+            <a:r>
+              <a:rPr lang="en-US" smtClean="0"/>
+              <a:t/>
+            </a:r>
+            <a:br>
+              <a:rPr lang="en-US" smtClean="0"/>
+            </a:br>
+            <a:endParaRPr lang="en-US"/>
+          </a:p>
+        </p:txBody>
+      </p:sp>
+      <p:sp>
+        <p:nvSpPr>
+          <p:cNvPr id="3" name="Content Placeholder 2"/>
+          <p:cNvSpPr>
+            <a:spLocks noGrp="1"/>
+          </p:cNvSpPr>
+          <p:nvPr>
+            <p:ph idx="1"/>
+          </p:nvPr>
+        </p:nvSpPr>
+        <p:spPr/>
+        <p:txBody>
+          <a:bodyPr>
+            <a:normAutofit/>
+          </a:bodyPr>
+          <a:lstStyle/>
+          <a:p>
+            <a:pPr>
+              <a:lnSpc>
+                <a:spcPct val="100000"/>
+              </a:lnSpc>
+              <a:spcBef>
+                <a:spcPts val="0"/>
+              </a:spcBef>
+              <a:spcAft>
+                <a:spcPts val="0"/>
+              </a:spcAft>
+              <a:buClrTx/>
+              <a:buSzTx/>
+            </a:pPr>
+            <a:r>
+              <a:rPr lang="en-US" sz="3600" dirty="0" smtClean="0"/>
+              <a:t>2 bases de </a:t>
+            </a:r>
+            <a:r>
+              <a:rPr lang="en-US" sz="3600" dirty="0" err="1" smtClean="0"/>
+              <a:t>datos</a:t>
+            </a:r>
+            <a:r>
+              <a:rPr lang="en-US" sz="3600" dirty="0" smtClean="0"/>
+              <a:t>:</a:t>
+            </a:r>
+          </a:p>
+          <a:p>
+            <a:pPr lvl="1">
+              <a:lnSpc>
+                <a:spcPct val="100000"/>
+              </a:lnSpc>
+              <a:spcBef>
+                <a:spcPts val="0"/>
+              </a:spcBef>
+              <a:spcAft>
+                <a:spcPts val="0"/>
+              </a:spcAft>
+              <a:buClrTx/>
+            </a:pPr>
+            <a:r>
+              <a:rPr lang="en-US" sz="3200" dirty="0" smtClean="0"/>
+              <a:t>CMH </a:t>
+            </a:r>
+            <a:r>
+              <a:rPr lang="mr-IN" sz="3200" dirty="0" smtClean="0"/>
+              <a:t>–</a:t>
+            </a:r>
+            <a:r>
+              <a:rPr lang="en-US" sz="3200" dirty="0" smtClean="0"/>
+              <a:t> 27 </a:t>
+            </a:r>
+            <a:r>
+              <a:rPr lang="en-US" sz="3200" dirty="0" err="1" smtClean="0"/>
+              <a:t>tablas</a:t>
+            </a:r>
+            <a:endParaRPr lang="en-US" sz="3200" dirty="0" smtClean="0"/>
+          </a:p>
+          <a:p>
+            <a:pPr lvl="1">
+              <a:lnSpc>
+                <a:spcPct val="100000"/>
+              </a:lnSpc>
+              <a:spcBef>
+                <a:spcPts val="0"/>
+              </a:spcBef>
+              <a:spcAft>
+                <a:spcPts val="0"/>
+              </a:spcAft>
+              <a:buClrTx/>
+            </a:pPr>
+            <a:r>
+              <a:rPr lang="en-US" sz="3200" dirty="0" err="1" smtClean="0"/>
+              <a:t>Seguros</a:t>
+            </a:r>
+            <a:r>
+              <a:rPr lang="en-US" sz="3200" dirty="0" smtClean="0"/>
+              <a:t> </a:t>
+            </a:r>
+            <a:r>
+              <a:rPr lang="mr-IN" sz="3200" dirty="0" smtClean="0"/>
+              <a:t>–</a:t>
+            </a:r>
+            <a:r>
+              <a:rPr lang="en-US" sz="3200" dirty="0" smtClean="0"/>
+              <a:t> 6 </a:t>
+            </a:r>
+            <a:r>
+              <a:rPr lang="en-US" sz="3200" dirty="0" err="1" smtClean="0"/>
+              <a:t>tablas</a:t>
+            </a:r>
+            <a:endParaRPr lang="en-US" sz="3200" dirty="0" smtClean="0"/>
+          </a:p>
+          <a:p>
+            <a:pPr>
+              <a:lnSpc>
+                <a:spcPct val="100000"/>
+              </a:lnSpc>
+              <a:spcBef>
+                <a:spcPts val="0"/>
+              </a:spcBef>
+              <a:spcAft>
+                <a:spcPts val="0"/>
+              </a:spcAft>
+              <a:buClrTx/>
+            </a:pPr>
+            <a:endParaRPr lang="en-US" sz="3400" dirty="0"/>
+          </a:p>
+          <a:p>
+            <a:pPr>
+              <a:lnSpc>
+                <a:spcPct val="100000"/>
+              </a:lnSpc>
+              <a:spcBef>
+                <a:spcPts val="0"/>
+              </a:spcBef>
+              <a:spcAft>
+                <a:spcPts val="0"/>
+              </a:spcAft>
+              <a:buClrTx/>
+            </a:pPr>
+            <a:r>
+              <a:rPr lang="en-US" sz="3400" dirty="0" err="1" smtClean="0"/>
+              <a:t>Cubren</a:t>
+            </a:r>
+            <a:r>
+              <a:rPr lang="en-US" sz="3400" dirty="0" smtClean="0"/>
+              <a:t> 100% de </a:t>
+            </a:r>
+            <a:r>
+              <a:rPr lang="en-US" sz="3400" dirty="0" err="1" smtClean="0"/>
+              <a:t>los</a:t>
+            </a:r>
+            <a:r>
+              <a:rPr lang="en-US" sz="3400" dirty="0" smtClean="0"/>
+              <a:t> </a:t>
+            </a:r>
+            <a:r>
+              <a:rPr lang="en-US" sz="3400" dirty="0" err="1" smtClean="0"/>
+              <a:t>casos</a:t>
+            </a:r>
+            <a:r>
+              <a:rPr lang="en-US" sz="3400" dirty="0" smtClean="0"/>
+              <a:t> de </a:t>
+            </a:r>
+            <a:r>
+              <a:rPr lang="en-US" sz="3400" dirty="0" err="1" smtClean="0"/>
+              <a:t>uso</a:t>
+            </a:r>
+            <a:endParaRPr lang="en-US" sz="3400" dirty="0"/>
+          </a:p>
+        </p:txBody>
+      </p:sp>
+      <p:sp>
+        <p:nvSpPr>
+          <p:cNvPr id="4" name="Slide Number Placeholder 3"/>
+          <p:cNvSpPr>
+            <a:spLocks noGrp="1"/>
+          </p:cNvSpPr>
+          <p:nvPr>
+            <p:ph type="sldNum" sz="quarter" idx="12"/>
+          </p:nvPr>
+        </p:nvSpPr>
+        <p:spPr/>
+        <p:txBody>
+          <a:bodyPr>
+            <a:normAutofit lnSpcReduction="10000"/>
+          </a:bodyPr>
+          <a:lstStyle/>
+          <a:p>
+            <a:fld id="{66B77C49-310C-4D67-A641-7D2CCF3E3B8A}" type="slidenum">
+              <a:rPr lang="es-CL" smtClean="0"/>
+              <a:t>12</a:t>
+            </a:fld>
+            <a:endParaRPr lang="es-CL"/>
+          </a:p>
+        </p:txBody>
+      </p:sp>
+    </p:spTree>
+    <p:extLst>
+      <p:ext uri="{BB962C8B-B14F-4D97-AF65-F5344CB8AC3E}">
+        <p14:creationId xmlns:p14="http://schemas.microsoft.com/office/powerpoint/2010/main" val="489582192"/>
+      </p:ext>
+    </p:extLst>
+  </p:cSld>
+  <p:clrMapOvr>
+    <a:masterClrMapping/>
+  </p:clrMapOvr>
+</p:sld>
+</file>
+
+<file path=ppt/slides/slide14.xml><?xml version="1.0" encoding="utf-8"?>
+<p:sld xmlns:a="http://schemas.openxmlformats.org/drawingml/2006/main" xmlns:r="http://schemas.openxmlformats.org/officeDocument/2006/relationships" xmlns:p="http://schemas.openxmlformats.org/presentationml/2006/main">
+  <p:cSld>
+    <p:spTree>
+      <p:nvGrpSpPr>
+        <p:cNvPr id="1" name=""/>
+        <p:cNvGrpSpPr/>
+        <p:nvPr/>
+      </p:nvGrpSpPr>
+      <p:grpSpPr>
+        <a:xfrm>
+          <a:off x="0" y="0"/>
+          <a:ext cx="0" cy="0"/>
+          <a:chOff x="0" y="0"/>
+          <a:chExt cx="0" cy="0"/>
+        </a:xfrm>
+      </p:grpSpPr>
+      <p:sp>
+        <p:nvSpPr>
+          <p:cNvPr id="2" name="Title 1"/>
+          <p:cNvSpPr>
+            <a:spLocks noGrp="1"/>
+          </p:cNvSpPr>
+          <p:nvPr>
+            <p:ph type="title"/>
+          </p:nvPr>
+        </p:nvSpPr>
+        <p:spPr/>
+        <p:txBody>
+          <a:bodyPr/>
+          <a:lstStyle/>
+          <a:p>
+            <a:r>
+              <a:rPr lang="en-US" err="1" smtClean="0"/>
+              <a:t>Modelo</a:t>
+            </a:r>
+            <a:r>
+              <a:rPr lang="en-US" smtClean="0"/>
+              <a:t> de </a:t>
+            </a:r>
+            <a:r>
+              <a:rPr lang="en-US" err="1" smtClean="0"/>
+              <a:t>datos</a:t>
+            </a:r>
+            <a:r>
+              <a:rPr lang="en-US" smtClean="0"/>
+              <a:t/>
+            </a:r>
+            <a:br>
+              <a:rPr lang="en-US" smtClean="0"/>
+            </a:br>
+            <a:endParaRPr lang="en-US"/>
+          </a:p>
+        </p:txBody>
+      </p:sp>
+      <p:pic>
+        <p:nvPicPr>
+          <p:cNvPr id="5" name="Content Placeholder 4"/>
+          <p:cNvPicPr>
+            <a:picLocks noGrp="1" noChangeAspect="1"/>
+          </p:cNvPicPr>
+          <p:nvPr>
+            <p:ph idx="1"/>
+          </p:nvPr>
+        </p:nvPicPr>
+        <p:blipFill>
+          <a:blip r:embed="rId2">
+            <a:extLst>
+              <a:ext uri="{28A0092B-C50C-407E-A947-70E740481C1C}">
+                <a14:useLocalDpi xmlns:a14="http://schemas.microsoft.com/office/drawing/2010/main" val="0"/>
+              </a:ext>
+            </a:extLst>
+          </a:blip>
+          <a:stretch>
+            <a:fillRect/>
+          </a:stretch>
+        </p:blipFill>
+        <p:spPr>
+          <a:xfrm>
+            <a:off x="3654406" y="1149999"/>
+            <a:ext cx="7216793" cy="5451143"/>
+          </a:xfrm>
+        </p:spPr>
+      </p:pic>
+      <p:sp>
+        <p:nvSpPr>
+          <p:cNvPr id="4" name="Slide Number Placeholder 3"/>
+          <p:cNvSpPr>
+            <a:spLocks noGrp="1"/>
+          </p:cNvSpPr>
+          <p:nvPr>
+            <p:ph type="sldNum" sz="quarter" idx="12"/>
+          </p:nvPr>
+        </p:nvSpPr>
+        <p:spPr/>
+        <p:txBody>
+          <a:bodyPr>
+            <a:normAutofit lnSpcReduction="10000"/>
+          </a:bodyPr>
+          <a:lstStyle/>
+          <a:p>
+            <a:fld id="{66B77C49-310C-4D67-A641-7D2CCF3E3B8A}" type="slidenum">
+              <a:rPr lang="es-CL" smtClean="0"/>
+              <a:t>13</a:t>
+            </a:fld>
+            <a:endParaRPr lang="es-CL"/>
+          </a:p>
+        </p:txBody>
+      </p:sp>
+      <p:sp>
+        <p:nvSpPr>
+          <p:cNvPr id="6" name="TextBox 5"/>
+          <p:cNvSpPr txBox="1"/>
+          <p:nvPr/>
+        </p:nvSpPr>
+        <p:spPr>
+          <a:xfrm>
+            <a:off x="1391921" y="2611120"/>
+            <a:ext cx="1971040" cy="1384995"/>
+          </a:xfrm>
+          <a:prstGeom prst="rect">
+            <a:avLst/>
+          </a:prstGeom>
+          <a:noFill/>
+        </p:spPr>
+        <p:txBody>
+          <a:bodyPr wrap="square" rtlCol="0">
+            <a:spAutoFit/>
+          </a:bodyPr>
+          <a:lstStyle/>
+          <a:p>
+            <a:r>
+              <a:rPr lang="en-US" sz="2800" dirty="0" smtClean="0"/>
+              <a:t>Base de </a:t>
+            </a:r>
+            <a:r>
+              <a:rPr lang="en-US" sz="2800" dirty="0" err="1" smtClean="0"/>
+              <a:t>datos</a:t>
+            </a:r>
+            <a:r>
+              <a:rPr lang="en-US" sz="2800" dirty="0" smtClean="0"/>
+              <a:t> CMH</a:t>
+            </a:r>
+            <a:endParaRPr lang="en-US" sz="2800" dirty="0"/>
+          </a:p>
+        </p:txBody>
+      </p:sp>
+    </p:spTree>
+    <p:extLst>
+      <p:ext uri="{BB962C8B-B14F-4D97-AF65-F5344CB8AC3E}">
+        <p14:creationId xmlns:p14="http://schemas.microsoft.com/office/powerpoint/2010/main" val="809618207"/>
+      </p:ext>
+    </p:extLst>
+  </p:cSld>
+  <p:clrMapOvr>
+    <a:masterClrMapping/>
+  </p:clrMapOvr>
+</p:sld>
+</file>
+
+<file path=ppt/slides/slide15.xml><?xml version="1.0" encoding="utf-8"?>
+<p:sld xmlns:a="http://schemas.openxmlformats.org/drawingml/2006/main" xmlns:r="http://schemas.openxmlformats.org/officeDocument/2006/relationships" xmlns:p="http://schemas.openxmlformats.org/presentationml/2006/main">
+  <p:cSld>
+    <p:spTree>
+      <p:nvGrpSpPr>
+        <p:cNvPr id="1" name=""/>
+        <p:cNvGrpSpPr/>
+        <p:nvPr/>
+      </p:nvGrpSpPr>
+      <p:grpSpPr>
+        <a:xfrm>
+          <a:off x="0" y="0"/>
+          <a:ext cx="0" cy="0"/>
+          <a:chOff x="0" y="0"/>
+          <a:chExt cx="0" cy="0"/>
+        </a:xfrm>
+      </p:grpSpPr>
+      <p:sp>
+        <p:nvSpPr>
+          <p:cNvPr id="4" name="Slide Number Placeholder 3"/>
+          <p:cNvSpPr>
+            <a:spLocks noGrp="1"/>
+          </p:cNvSpPr>
+          <p:nvPr>
+            <p:ph type="sldNum" sz="quarter" idx="12"/>
+          </p:nvPr>
+        </p:nvSpPr>
+        <p:spPr/>
+        <p:txBody>
+          <a:bodyPr>
+            <a:normAutofit lnSpcReduction="10000"/>
+          </a:bodyPr>
+          <a:lstStyle/>
+          <a:p>
+            <a:fld id="{66B77C49-310C-4D67-A641-7D2CCF3E3B8A}" type="slidenum">
+              <a:rPr lang="es-CL" smtClean="0"/>
+              <a:t>14</a:t>
+            </a:fld>
+            <a:endParaRPr lang="es-CL"/>
+          </a:p>
+        </p:txBody>
+      </p:sp>
+      <p:sp>
+        <p:nvSpPr>
+          <p:cNvPr id="7" name="Title 6"/>
+          <p:cNvSpPr>
+            <a:spLocks noGrp="1"/>
+          </p:cNvSpPr>
+          <p:nvPr>
+            <p:ph type="title"/>
+          </p:nvPr>
+        </p:nvSpPr>
+        <p:spPr/>
+        <p:txBody>
+          <a:bodyPr/>
+          <a:lstStyle/>
+          <a:p>
+            <a:r>
+              <a:rPr lang="en-US" dirty="0" err="1" smtClean="0"/>
+              <a:t>Modelo</a:t>
+            </a:r>
+            <a:r>
+              <a:rPr lang="en-US" dirty="0" smtClean="0"/>
+              <a:t> de </a:t>
+            </a:r>
+            <a:r>
+              <a:rPr lang="en-US" dirty="0" err="1" smtClean="0"/>
+              <a:t>datos</a:t>
+            </a:r>
+            <a:endParaRPr lang="en-US" dirty="0"/>
+          </a:p>
+        </p:txBody>
+      </p:sp>
+      <p:pic>
+        <p:nvPicPr>
+          <p:cNvPr id="8" name="Picture 7"/>
+          <p:cNvPicPr>
+            <a:picLocks noChangeAspect="1"/>
+          </p:cNvPicPr>
+          <p:nvPr/>
+        </p:nvPicPr>
+        <p:blipFill>
+          <a:blip r:embed="rId2">
+            <a:extLst>
+              <a:ext uri="{28A0092B-C50C-407E-A947-70E740481C1C}">
+                <a14:useLocalDpi xmlns:a14="http://schemas.microsoft.com/office/drawing/2010/main" val="0"/>
+              </a:ext>
+            </a:extLst>
+          </a:blip>
+          <a:stretch>
+            <a:fillRect/>
+          </a:stretch>
+        </p:blipFill>
+        <p:spPr>
+          <a:xfrm>
+            <a:off x="3880612" y="2462476"/>
+            <a:ext cx="7073900" cy="4019604"/>
+          </a:xfrm>
+          <a:prstGeom prst="rect">
+            <a:avLst/>
+          </a:prstGeom>
+        </p:spPr>
+      </p:pic>
+      <p:sp>
+        <p:nvSpPr>
+          <p:cNvPr id="11" name="TextBox 10"/>
+          <p:cNvSpPr txBox="1"/>
+          <p:nvPr/>
+        </p:nvSpPr>
+        <p:spPr>
+          <a:xfrm>
+            <a:off x="1584961" y="3718560"/>
+            <a:ext cx="1957324" cy="1384995"/>
+          </a:xfrm>
+          <a:prstGeom prst="rect">
+            <a:avLst/>
+          </a:prstGeom>
+          <a:noFill/>
+        </p:spPr>
+        <p:txBody>
+          <a:bodyPr wrap="square" rtlCol="0">
+            <a:spAutoFit/>
+          </a:bodyPr>
+          <a:lstStyle/>
+          <a:p>
+            <a:r>
+              <a:rPr lang="en-US" sz="2800" dirty="0" err="1" smtClean="0"/>
+              <a:t>Modelo</a:t>
+            </a:r>
+            <a:r>
+              <a:rPr lang="en-US" sz="2800" dirty="0" smtClean="0"/>
+              <a:t> de </a:t>
+            </a:r>
+            <a:r>
+              <a:rPr lang="en-US" sz="2800" dirty="0" err="1" smtClean="0"/>
+              <a:t>datos</a:t>
+            </a:r>
+            <a:r>
+              <a:rPr lang="en-US" sz="2800" dirty="0" smtClean="0"/>
+              <a:t> </a:t>
+            </a:r>
+            <a:r>
+              <a:rPr lang="en-US" sz="2800" dirty="0" err="1" smtClean="0"/>
+              <a:t>Seguros</a:t>
+            </a:r>
+            <a:endParaRPr lang="en-US" sz="2800" dirty="0"/>
+          </a:p>
+        </p:txBody>
+      </p:sp>
+    </p:spTree>
+    <p:extLst>
+      <p:ext uri="{BB962C8B-B14F-4D97-AF65-F5344CB8AC3E}">
+        <p14:creationId xmlns:p14="http://schemas.microsoft.com/office/powerpoint/2010/main" val="1806307383"/>
+      </p:ext>
+    </p:extLst>
+  </p:cSld>
+  <p:clrMapOvr>
+    <a:masterClrMapping/>
+  </p:clrMapOvr>
+</p:sld>
+</file>
+
+<file path=ppt/slides/slide16.xml><?xml version="1.0" encoding="utf-8"?>
+<p:sld xmlns:a="http://schemas.openxmlformats.org/drawingml/2006/main" xmlns:r="http://schemas.openxmlformats.org/officeDocument/2006/relationships" xmlns:p="http://schemas.openxmlformats.org/presentationml/2006/main">
+  <p:cSld>
+    <p:spTree>
+      <p:nvGrpSpPr>
+        <p:cNvPr id="1" name=""/>
+        <p:cNvGrpSpPr/>
+        <p:nvPr/>
+      </p:nvGrpSpPr>
+      <p:grpSpPr>
+        <a:xfrm>
+          <a:off x="0" y="0"/>
+          <a:ext cx="0" cy="0"/>
+          <a:chOff x="0" y="0"/>
+          <a:chExt cx="0" cy="0"/>
+        </a:xfrm>
+      </p:grpSpPr>
+      <p:sp>
+        <p:nvSpPr>
+          <p:cNvPr id="2" name="Title 1"/>
+          <p:cNvSpPr>
+            <a:spLocks noGrp="1"/>
+          </p:cNvSpPr>
+          <p:nvPr>
+            <p:ph type="title"/>
+          </p:nvPr>
+        </p:nvSpPr>
+        <p:spPr/>
+        <p:txBody>
+          <a:bodyPr/>
+          <a:lstStyle/>
+          <a:p>
+            <a:r>
+              <a:rPr lang="en-US" err="1" smtClean="0"/>
+              <a:t>Capa</a:t>
+            </a:r>
+            <a:r>
+              <a:rPr lang="en-US" smtClean="0"/>
+              <a:t> de </a:t>
+            </a:r>
+            <a:r>
+              <a:rPr lang="en-US" err="1" smtClean="0"/>
+              <a:t>negocio</a:t>
+            </a:r>
+            <a:r>
+              <a:rPr lang="en-US" smtClean="0"/>
+              <a:t> web</a:t>
+            </a:r>
+            <a:endParaRPr lang="en-US"/>
+          </a:p>
+        </p:txBody>
+      </p:sp>
+      <p:sp>
+        <p:nvSpPr>
+          <p:cNvPr id="3" name="Content Placeholder 2"/>
+          <p:cNvSpPr>
+            <a:spLocks noGrp="1"/>
+          </p:cNvSpPr>
+          <p:nvPr>
+            <p:ph idx="1"/>
+          </p:nvPr>
+        </p:nvSpPr>
+        <p:spPr/>
+        <p:txBody>
+          <a:bodyPr/>
+          <a:lstStyle/>
+          <a:p>
+            <a:endParaRPr lang="en-US" dirty="0"/>
+          </a:p>
+        </p:txBody>
+      </p:sp>
+      <p:sp>
+        <p:nvSpPr>
+          <p:cNvPr id="4" name="Slide Number Placeholder 3"/>
+          <p:cNvSpPr>
+            <a:spLocks noGrp="1"/>
+          </p:cNvSpPr>
+          <p:nvPr>
+            <p:ph type="sldNum" sz="quarter" idx="12"/>
+          </p:nvPr>
+        </p:nvSpPr>
+        <p:spPr/>
+        <p:txBody>
+          <a:bodyPr>
+            <a:normAutofit lnSpcReduction="10000"/>
+          </a:bodyPr>
+          <a:lstStyle/>
+          <a:p>
+            <a:fld id="{66B77C49-310C-4D67-A641-7D2CCF3E3B8A}" type="slidenum">
+              <a:rPr lang="es-CL" smtClean="0"/>
+              <a:t>15</a:t>
+            </a:fld>
+            <a:endParaRPr lang="es-CL"/>
+          </a:p>
+        </p:txBody>
+      </p:sp>
+    </p:spTree>
+    <p:extLst>
+      <p:ext uri="{BB962C8B-B14F-4D97-AF65-F5344CB8AC3E}">
+        <p14:creationId xmlns:p14="http://schemas.microsoft.com/office/powerpoint/2010/main" val="1395784782"/>
+      </p:ext>
+    </p:extLst>
+  </p:cSld>
+  <p:clrMapOvr>
+    <a:masterClrMapping/>
+  </p:clrMapOvr>
+</p:sld>
+</file>
+
+<file path=ppt/slides/slide17.xml><?xml version="1.0" encoding="utf-8"?>
+<p:sld xmlns:a="http://schemas.openxmlformats.org/drawingml/2006/main" xmlns:r="http://schemas.openxmlformats.org/officeDocument/2006/relationships" xmlns:p="http://schemas.openxmlformats.org/presentationml/2006/main">
+  <p:cSld>
+    <p:spTree>
+      <p:nvGrpSpPr>
+        <p:cNvPr id="1" name=""/>
+        <p:cNvGrpSpPr/>
+        <p:nvPr/>
+      </p:nvGrpSpPr>
+      <p:grpSpPr>
+        <a:xfrm>
+          <a:off x="0" y="0"/>
+          <a:ext cx="0" cy="0"/>
+          <a:chOff x="0" y="0"/>
+          <a:chExt cx="0" cy="0"/>
+        </a:xfrm>
+      </p:grpSpPr>
+      <p:sp>
+        <p:nvSpPr>
+          <p:cNvPr id="2" name="Title 1"/>
+          <p:cNvSpPr>
+            <a:spLocks noGrp="1"/>
+          </p:cNvSpPr>
+          <p:nvPr>
+            <p:ph type="title"/>
+          </p:nvPr>
+        </p:nvSpPr>
+        <p:spPr/>
+        <p:txBody>
+          <a:bodyPr/>
+          <a:lstStyle/>
+          <a:p>
+            <a:r>
+              <a:rPr lang="en-US" err="1" smtClean="0"/>
+              <a:t>Capa</a:t>
+            </a:r>
+            <a:r>
+              <a:rPr lang="en-US" smtClean="0"/>
+              <a:t> de </a:t>
+            </a:r>
+            <a:r>
+              <a:rPr lang="en-US" err="1" smtClean="0"/>
+              <a:t>negocio</a:t>
+            </a:r>
+            <a:r>
+              <a:rPr lang="en-US" smtClean="0"/>
+              <a:t> terminal</a:t>
+            </a:r>
+            <a:endParaRPr lang="en-US"/>
+          </a:p>
+        </p:txBody>
+      </p:sp>
+      <p:sp>
+        <p:nvSpPr>
+          <p:cNvPr id="3" name="Content Placeholder 2"/>
+          <p:cNvSpPr>
+            <a:spLocks noGrp="1"/>
+          </p:cNvSpPr>
+          <p:nvPr>
+            <p:ph idx="1"/>
+          </p:nvPr>
+        </p:nvSpPr>
+        <p:spPr/>
+        <p:txBody>
+          <a:bodyPr/>
+          <a:lstStyle/>
+          <a:p>
+            <a:endParaRPr lang="en-US"/>
+          </a:p>
+        </p:txBody>
+      </p:sp>
+      <p:sp>
+        <p:nvSpPr>
+          <p:cNvPr id="4" name="Slide Number Placeholder 3"/>
+          <p:cNvSpPr>
+            <a:spLocks noGrp="1"/>
+          </p:cNvSpPr>
+          <p:nvPr>
+            <p:ph type="sldNum" sz="quarter" idx="12"/>
+          </p:nvPr>
+        </p:nvSpPr>
+        <p:spPr/>
+        <p:txBody>
+          <a:bodyPr>
+            <a:normAutofit lnSpcReduction="10000"/>
+          </a:bodyPr>
+          <a:lstStyle/>
+          <a:p>
+            <a:fld id="{66B77C49-310C-4D67-A641-7D2CCF3E3B8A}" type="slidenum">
+              <a:rPr lang="es-CL" smtClean="0"/>
+              <a:t>16</a:t>
+            </a:fld>
+            <a:endParaRPr lang="es-CL"/>
+          </a:p>
+        </p:txBody>
+      </p:sp>
+    </p:spTree>
+    <p:extLst>
+      <p:ext uri="{BB962C8B-B14F-4D97-AF65-F5344CB8AC3E}">
+        <p14:creationId xmlns:p14="http://schemas.microsoft.com/office/powerpoint/2010/main" val="1990954893"/>
+      </p:ext>
+    </p:extLst>
+  </p:cSld>
+  <p:clrMapOvr>
+    <a:masterClrMapping/>
+  </p:clrMapOvr>
+</p:sld>
+</file>
+
 <file path=ppt/slides/slide2.xml><?xml version="1.0" encoding="utf-8"?>
 <p:sld xmlns:a="http://schemas.openxmlformats.org/drawingml/2006/main" xmlns:r="http://schemas.openxmlformats.org/officeDocument/2006/relationships" xmlns:p="http://schemas.openxmlformats.org/presentationml/2006/main">
   <p:cSld>
@@ -4272,108 +5613,110 @@
         </p:nvSpPr>
         <p:spPr/>
         <p:txBody>
-          <a:bodyPr/>
-          <a:lstStyle/>
-          <a:p>
-            <a:r>
-              <a:rPr lang="en-US" dirty="0" err="1" smtClean="0"/>
+          <a:bodyPr>
+            <a:normAutofit/>
+          </a:bodyPr>
+          <a:lstStyle/>
+          <a:p>
+            <a:r>
+              <a:rPr lang="en-US" sz="3200" dirty="0" err="1" smtClean="0"/>
               <a:t>Arquitectura</a:t>
             </a:r>
-            <a:endParaRPr lang="en-US" dirty="0" smtClean="0"/>
-          </a:p>
-          <a:p>
-            <a:r>
-              <a:rPr lang="en-US" dirty="0" smtClean="0"/>
+            <a:endParaRPr lang="en-US" sz="3200" dirty="0" smtClean="0"/>
+          </a:p>
+          <a:p>
+            <a:r>
+              <a:rPr lang="en-US" sz="3200" dirty="0" smtClean="0"/>
               <a:t>Matrices de </a:t>
             </a:r>
             <a:r>
-              <a:rPr lang="en-US" dirty="0" err="1" smtClean="0"/>
+              <a:rPr lang="en-US" sz="3200" dirty="0" err="1" smtClean="0"/>
               <a:t>trazabilidad</a:t>
             </a:r>
-            <a:endParaRPr lang="en-US" dirty="0" smtClean="0"/>
-          </a:p>
-          <a:p>
-            <a:r>
-              <a:rPr lang="en-US" dirty="0" err="1" smtClean="0"/>
+            <a:endParaRPr lang="en-US" sz="3200" dirty="0" smtClean="0"/>
+          </a:p>
+          <a:p>
+            <a:r>
+              <a:rPr lang="en-US" sz="3200" dirty="0" err="1" smtClean="0"/>
               <a:t>Modelo</a:t>
             </a:r>
             <a:r>
-              <a:rPr lang="en-US" dirty="0" smtClean="0"/>
+              <a:rPr lang="en-US" sz="3200" dirty="0" smtClean="0"/>
               <a:t> de </a:t>
             </a:r>
             <a:r>
-              <a:rPr lang="en-US" dirty="0" err="1" smtClean="0"/>
+              <a:rPr lang="en-US" sz="3200" dirty="0" err="1" smtClean="0"/>
               <a:t>clases</a:t>
             </a:r>
-            <a:endParaRPr lang="en-US" dirty="0" smtClean="0"/>
-          </a:p>
-          <a:p>
-            <a:r>
-              <a:rPr lang="en-US" dirty="0" err="1" smtClean="0"/>
+            <a:endParaRPr lang="en-US" sz="3200" dirty="0" smtClean="0"/>
+          </a:p>
+          <a:p>
+            <a:r>
+              <a:rPr lang="en-US" sz="3200" dirty="0" err="1" smtClean="0"/>
               <a:t>Modelo</a:t>
             </a:r>
             <a:r>
-              <a:rPr lang="en-US" dirty="0" smtClean="0"/>
+              <a:rPr lang="en-US" sz="3200" dirty="0" smtClean="0"/>
               <a:t> de </a:t>
             </a:r>
             <a:r>
-              <a:rPr lang="en-US" dirty="0" err="1" smtClean="0"/>
+              <a:rPr lang="en-US" sz="3200" dirty="0" err="1" smtClean="0"/>
               <a:t>datos</a:t>
             </a:r>
-            <a:endParaRPr lang="en-US" dirty="0" smtClean="0"/>
-          </a:p>
-          <a:p>
-            <a:r>
-              <a:rPr lang="en-US" dirty="0" err="1" smtClean="0"/>
+            <a:endParaRPr lang="en-US" sz="3200" dirty="0" smtClean="0"/>
+          </a:p>
+          <a:p>
+            <a:r>
+              <a:rPr lang="en-US" sz="3200" dirty="0" err="1" smtClean="0"/>
               <a:t>Capa</a:t>
             </a:r>
             <a:r>
-              <a:rPr lang="en-US" dirty="0" smtClean="0"/>
+              <a:rPr lang="en-US" sz="3200" dirty="0" smtClean="0"/>
               <a:t> de </a:t>
             </a:r>
             <a:r>
-              <a:rPr lang="en-US" dirty="0" err="1" smtClean="0"/>
+              <a:rPr lang="en-US" sz="3200" dirty="0" err="1" smtClean="0"/>
               <a:t>negocios</a:t>
             </a:r>
             <a:r>
-              <a:rPr lang="en-US" dirty="0" smtClean="0"/>
+              <a:rPr lang="en-US" sz="3200" dirty="0" smtClean="0"/>
               <a:t> app web</a:t>
             </a:r>
           </a:p>
           <a:p>
             <a:r>
-              <a:rPr lang="en-US" dirty="0" err="1" smtClean="0"/>
+              <a:rPr lang="en-US" sz="3200" dirty="0" err="1" smtClean="0"/>
               <a:t>Capa</a:t>
             </a:r>
             <a:r>
-              <a:rPr lang="en-US" dirty="0" smtClean="0"/>
+              <a:rPr lang="en-US" sz="3200" dirty="0" smtClean="0"/>
               <a:t> de </a:t>
             </a:r>
             <a:r>
-              <a:rPr lang="en-US" dirty="0" err="1" smtClean="0"/>
+              <a:rPr lang="en-US" sz="3200" dirty="0" err="1" smtClean="0"/>
               <a:t>negocios</a:t>
             </a:r>
             <a:r>
-              <a:rPr lang="en-US" dirty="0" smtClean="0"/>
+              <a:rPr lang="en-US" sz="3200" dirty="0" smtClean="0"/>
               <a:t> terminal (</a:t>
             </a:r>
             <a:r>
-              <a:rPr lang="en-US" dirty="0" err="1" smtClean="0"/>
+              <a:rPr lang="en-US" sz="3200" dirty="0" err="1" smtClean="0"/>
               <a:t>en</a:t>
             </a:r>
             <a:r>
-              <a:rPr lang="en-US" dirty="0" smtClean="0"/>
+              <a:rPr lang="en-US" sz="3200" dirty="0" smtClean="0"/>
               <a:t> </a:t>
             </a:r>
             <a:r>
-              <a:rPr lang="en-US" dirty="0" err="1" smtClean="0"/>
+              <a:rPr lang="en-US" sz="3200" dirty="0" err="1" smtClean="0"/>
               <a:t>proceso</a:t>
             </a:r>
             <a:r>
-              <a:rPr lang="en-US" dirty="0" smtClean="0"/>
+              <a:rPr lang="en-US" sz="3200" dirty="0" smtClean="0"/>
               <a:t>)</a:t>
             </a:r>
-            <a:endParaRPr lang="en-US" dirty="0"/>
+            <a:endParaRPr lang="en-US" sz="3200" dirty="0"/>
           </a:p>
         </p:txBody>
       </p:sp>
@@ -4455,25 +5798,35 @@
           </a:p>
         </p:txBody>
       </p:sp>
-      <p:sp>
-        <p:nvSpPr>
-          <p:cNvPr id="3" name="Content Placeholder 2"/>
-          <p:cNvSpPr>
-            <a:spLocks noGrp="1"/>
-          </p:cNvSpPr>
+      <p:pic>
+        <p:nvPicPr>
+          <p:cNvPr id="5" name="Content Placeholder 4"/>
+          <p:cNvPicPr>
+            <a:picLocks noGrp="1" noChangeAspect="1"/>
+          </p:cNvPicPr>
           <p:nvPr>
             <p:ph idx="1"/>
           </p:nvPr>
-        </p:nvSpPr>
-        <p:spPr/>
-        <p:txBody>
-          <a:bodyPr/>
-          <a:lstStyle/>
-          <a:p>
-            <a:endParaRPr lang="en-US"/>
-          </a:p>
-        </p:txBody>
-      </p:sp>
+        </p:nvPicPr>
+        <p:blipFill>
+          <a:blip r:embed="rId2">
+            <a:extLst>
+              <a:ext uri="{28A0092B-C50C-407E-A947-70E740481C1C}">
+                <a14:useLocalDpi xmlns:a14="http://schemas.microsoft.com/office/drawing/2010/main" val="0"/>
+              </a:ext>
+            </a:extLst>
+          </a:blip>
+          <a:stretch>
+            <a:fillRect/>
+          </a:stretch>
+        </p:blipFill>
+        <p:spPr>
+          <a:xfrm>
+            <a:off x="2428875" y="2004219"/>
+            <a:ext cx="6261100" cy="4000500"/>
+          </a:xfrm>
+        </p:spPr>
+      </p:pic>
       <p:sp>
         <p:nvSpPr>
           <p:cNvPr id="4" name="Slide Number Placeholder 3"/>
@@ -4545,33 +5898,10 @@
           <a:lstStyle/>
           <a:p>
             <a:r>
-              <a:rPr lang="en-US" smtClean="0"/>
-              <a:t>Matrices de </a:t>
-            </a:r>
-            <a:r>
-              <a:rPr lang="en-US" err="1" smtClean="0"/>
-              <a:t>trazabilidad</a:t>
-            </a:r>
-            <a:endParaRPr lang="en-US"/>
-          </a:p>
-        </p:txBody>
-      </p:sp>
-      <p:sp>
-        <p:nvSpPr>
-          <p:cNvPr id="3" name="Content Placeholder 2"/>
-          <p:cNvSpPr>
-            <a:spLocks noGrp="1"/>
-          </p:cNvSpPr>
-          <p:nvPr>
-            <p:ph idx="1"/>
-          </p:nvPr>
-        </p:nvSpPr>
-        <p:spPr/>
-        <p:txBody>
-          <a:bodyPr/>
-          <a:lstStyle/>
-          <a:p>
-            <a:endParaRPr lang="en-US"/>
+              <a:rPr lang="en-US" dirty="0" err="1" smtClean="0"/>
+              <a:t>Arquitectura</a:t>
+            </a:r>
+            <a:endParaRPr lang="en-US" dirty="0"/>
           </a:p>
         </p:txBody>
       </p:sp>
@@ -4600,10 +5930,120 @@
           </a:p>
         </p:txBody>
       </p:sp>
+      <p:sp>
+        <p:nvSpPr>
+          <p:cNvPr id="3" name="Content Placeholder 2"/>
+          <p:cNvSpPr>
+            <a:spLocks noGrp="1"/>
+          </p:cNvSpPr>
+          <p:nvPr>
+            <p:ph idx="1"/>
+          </p:nvPr>
+        </p:nvSpPr>
+        <p:spPr/>
+        <p:txBody>
+          <a:bodyPr>
+            <a:normAutofit/>
+          </a:bodyPr>
+          <a:lstStyle/>
+          <a:p>
+            <a:r>
+              <a:rPr lang="en-US" sz="3200" dirty="0" smtClean="0"/>
+              <a:t>Bases de </a:t>
+            </a:r>
+            <a:r>
+              <a:rPr lang="en-US" sz="3200" dirty="0" err="1" smtClean="0"/>
+              <a:t>datos</a:t>
+            </a:r>
+            <a:r>
+              <a:rPr lang="en-US" sz="3200" dirty="0" smtClean="0"/>
+              <a:t>:</a:t>
+            </a:r>
+          </a:p>
+          <a:p>
+            <a:pPr lvl="1"/>
+            <a:r>
+              <a:rPr lang="en-US" sz="3200" dirty="0" err="1" smtClean="0"/>
+              <a:t>bd_cmh</a:t>
+            </a:r>
+            <a:r>
+              <a:rPr lang="en-US" sz="3200" dirty="0" smtClean="0"/>
+              <a:t>: Oracle, </a:t>
+            </a:r>
+            <a:r>
+              <a:rPr lang="en-US" sz="3200" dirty="0" err="1" smtClean="0"/>
+              <a:t>única</a:t>
+            </a:r>
+            <a:r>
+              <a:rPr lang="en-US" sz="3200" dirty="0" smtClean="0"/>
+              <a:t> base de </a:t>
+            </a:r>
+            <a:r>
+              <a:rPr lang="en-US" sz="3200" dirty="0" err="1" smtClean="0"/>
+              <a:t>datos</a:t>
+            </a:r>
+            <a:r>
+              <a:rPr lang="en-US" sz="3200" dirty="0" smtClean="0"/>
+              <a:t> del </a:t>
+            </a:r>
+            <a:r>
+              <a:rPr lang="en-US" sz="3200" dirty="0" err="1" smtClean="0"/>
+              <a:t>negocio</a:t>
+            </a:r>
+            <a:r>
+              <a:rPr lang="en-US" sz="3200" dirty="0" smtClean="0"/>
+              <a:t>.</a:t>
+            </a:r>
+          </a:p>
+          <a:p>
+            <a:pPr lvl="1"/>
+            <a:r>
+              <a:rPr lang="en-US" sz="3200" dirty="0" err="1" smtClean="0"/>
+              <a:t>bd_seguro</a:t>
+            </a:r>
+            <a:r>
+              <a:rPr lang="en-US" sz="3200" dirty="0" smtClean="0"/>
+              <a:t>: Oracle, </a:t>
+            </a:r>
+            <a:r>
+              <a:rPr lang="en-US" sz="3200" dirty="0" err="1" smtClean="0"/>
+              <a:t>simula</a:t>
+            </a:r>
+            <a:r>
+              <a:rPr lang="en-US" sz="3200" dirty="0" smtClean="0"/>
+              <a:t> base de </a:t>
+            </a:r>
+            <a:r>
+              <a:rPr lang="en-US" sz="3200" dirty="0" err="1" smtClean="0"/>
+              <a:t>datos</a:t>
+            </a:r>
+            <a:r>
+              <a:rPr lang="en-US" sz="3200" dirty="0" smtClean="0"/>
+              <a:t> de </a:t>
+            </a:r>
+            <a:r>
+              <a:rPr lang="en-US" sz="3200" dirty="0" err="1" smtClean="0"/>
+              <a:t>servicio</a:t>
+            </a:r>
+            <a:r>
+              <a:rPr lang="en-US" sz="3200" dirty="0" smtClean="0"/>
+              <a:t> de </a:t>
+            </a:r>
+            <a:r>
+              <a:rPr lang="en-US" sz="3200" dirty="0" err="1" smtClean="0"/>
+              <a:t>aseguradoras</a:t>
+            </a:r>
+            <a:r>
+              <a:rPr lang="en-US" sz="3200" dirty="0" smtClean="0"/>
+              <a:t>.</a:t>
+            </a:r>
+          </a:p>
+        </p:txBody>
+      </p:sp>
     </p:spTree>
     <p:extLst>
       <p:ext uri="{BB962C8B-B14F-4D97-AF65-F5344CB8AC3E}">
-        <p14:creationId xmlns:p14="http://schemas.microsoft.com/office/powerpoint/2010/main" val="1513198101"/>
+        <p14:creationId xmlns:p14="http://schemas.microsoft.com/office/powerpoint/2010/main" val="1878152279"/>
       </p:ext>
     </p:extLst>
   </p:cSld>
@@ -4646,37 +6086,10 @@
           <a:lstStyle/>
           <a:p>
             <a:r>
-              <a:rPr lang="en-US" err="1" smtClean="0"/>
-              <a:t>Modelo</a:t>
-            </a:r>
-            <a:r>
-              <a:rPr lang="en-US" smtClean="0"/>
-              <a:t> de </a:t>
-            </a:r>
-            <a:r>
-              <a:rPr lang="en-US" err="1" smtClean="0"/>
-              <a:t>clases</a:t>
-            </a:r>
-            <a:endParaRPr lang="en-US"/>
-          </a:p>
-        </p:txBody>
-      </p:sp>
-      <p:sp>
-        <p:nvSpPr>
-          <p:cNvPr id="3" name="Content Placeholder 2"/>
-          <p:cNvSpPr>
-            <a:spLocks noGrp="1"/>
-          </p:cNvSpPr>
-          <p:nvPr>
-            <p:ph idx="1"/>
-          </p:nvPr>
-        </p:nvSpPr>
-        <p:spPr/>
-        <p:txBody>
-          <a:bodyPr/>
-          <a:lstStyle/>
-          <a:p>
-            <a:endParaRPr lang="en-US"/>
+              <a:rPr lang="en-US" dirty="0" err="1" smtClean="0"/>
+              <a:t>Arquitectura</a:t>
+            </a:r>
+            <a:endParaRPr lang="en-US" dirty="0"/>
           </a:p>
         </p:txBody>
       </p:sp>
@@ -4705,10 +6118,154 @@
           </a:p>
         </p:txBody>
       </p:sp>
+      <p:sp>
+        <p:nvSpPr>
+          <p:cNvPr id="3" name="Content Placeholder 2"/>
+          <p:cNvSpPr>
+            <a:spLocks noGrp="1"/>
+          </p:cNvSpPr>
+          <p:nvPr>
+            <p:ph idx="1"/>
+          </p:nvPr>
+        </p:nvSpPr>
+        <p:spPr/>
+        <p:txBody>
+          <a:bodyPr>
+            <a:normAutofit/>
+          </a:bodyPr>
+          <a:lstStyle/>
+          <a:p>
+            <a:pPr lvl="1"/>
+            <a:endParaRPr lang="en-US" sz="3200" dirty="0"/>
+          </a:p>
+          <a:p>
+            <a:pPr lvl="1"/>
+            <a:r>
+              <a:rPr lang="en-US" sz="3200" dirty="0" smtClean="0"/>
+              <a:t>Terminal: </a:t>
+            </a:r>
+            <a:r>
+              <a:rPr lang="en-US" sz="3200" dirty="0" err="1" smtClean="0"/>
+              <a:t>provee</a:t>
+            </a:r>
+            <a:r>
+              <a:rPr lang="en-US" sz="3200" dirty="0" smtClean="0"/>
+              <a:t> </a:t>
+            </a:r>
+            <a:r>
+              <a:rPr lang="en-US" sz="3200" dirty="0" err="1" smtClean="0"/>
+              <a:t>funcionalidades</a:t>
+            </a:r>
+            <a:r>
+              <a:rPr lang="en-US" sz="3200" dirty="0" smtClean="0"/>
+              <a:t> </a:t>
+            </a:r>
+            <a:r>
+              <a:rPr lang="en-US" sz="3200" dirty="0" err="1" smtClean="0"/>
+              <a:t>administrativas</a:t>
+            </a:r>
+            <a:r>
+              <a:rPr lang="en-US" sz="3200" dirty="0" smtClean="0"/>
+              <a:t> a </a:t>
+            </a:r>
+            <a:r>
+              <a:rPr lang="en-US" sz="3200" dirty="0" err="1" smtClean="0"/>
+              <a:t>funcionarios</a:t>
+            </a:r>
+            <a:r>
+              <a:rPr lang="en-US" sz="3200" dirty="0" smtClean="0"/>
+              <a:t> y personal </a:t>
+            </a:r>
+            <a:r>
+              <a:rPr lang="en-US" sz="3200" dirty="0" err="1" smtClean="0"/>
+              <a:t>médico</a:t>
+            </a:r>
+            <a:r>
+              <a:rPr lang="en-US" sz="3200" dirty="0" smtClean="0"/>
+              <a:t>, </a:t>
+            </a:r>
+            <a:r>
+              <a:rPr lang="en-US" sz="3200" dirty="0" err="1" smtClean="0"/>
+              <a:t>además</a:t>
+            </a:r>
+            <a:r>
+              <a:rPr lang="en-US" sz="3200" dirty="0" smtClean="0"/>
+              <a:t> de </a:t>
+            </a:r>
+            <a:r>
+              <a:rPr lang="en-US" sz="3200" dirty="0" err="1" smtClean="0"/>
+              <a:t>enviar</a:t>
+            </a:r>
+            <a:r>
+              <a:rPr lang="en-US" sz="3200" dirty="0" smtClean="0"/>
+              <a:t> </a:t>
+            </a:r>
+            <a:r>
+              <a:rPr lang="en-US" sz="3200" dirty="0" err="1" smtClean="0"/>
+              <a:t>notificaciones</a:t>
+            </a:r>
+            <a:r>
+              <a:rPr lang="en-US" sz="3200" dirty="0" smtClean="0"/>
+              <a:t> al mail.</a:t>
+            </a:r>
+          </a:p>
+          <a:p>
+            <a:pPr lvl="1"/>
+            <a:r>
+              <a:rPr lang="en-US" sz="3200" dirty="0" err="1" smtClean="0"/>
+              <a:t>SeguroWS</a:t>
+            </a:r>
+            <a:r>
+              <a:rPr lang="en-US" sz="3200" dirty="0" smtClean="0"/>
+              <a:t>: web service que </a:t>
+            </a:r>
+            <a:r>
+              <a:rPr lang="en-US" sz="3200" dirty="0" err="1" smtClean="0"/>
+              <a:t>simula</a:t>
+            </a:r>
+            <a:r>
+              <a:rPr lang="en-US" sz="3200" dirty="0" smtClean="0"/>
+              <a:t> </a:t>
+            </a:r>
+            <a:r>
+              <a:rPr lang="en-US" sz="3200" dirty="0" err="1" smtClean="0"/>
+              <a:t>proveer</a:t>
+            </a:r>
+            <a:r>
+              <a:rPr lang="en-US" sz="3200" dirty="0" smtClean="0"/>
+              <a:t> </a:t>
+            </a:r>
+            <a:r>
+              <a:rPr lang="en-US" sz="3200" dirty="0" err="1" smtClean="0"/>
+              <a:t>funcionalidades</a:t>
+            </a:r>
+            <a:r>
+              <a:rPr lang="en-US" sz="3200" dirty="0" smtClean="0"/>
+              <a:t> de un endpoint de la </a:t>
+            </a:r>
+            <a:r>
+              <a:rPr lang="en-US" sz="3200" dirty="0" err="1" smtClean="0"/>
+              <a:t>empresa</a:t>
+            </a:r>
+            <a:r>
+              <a:rPr lang="en-US" sz="3200" dirty="0" smtClean="0"/>
+              <a:t> de </a:t>
+            </a:r>
+            <a:r>
+              <a:rPr lang="en-US" sz="3200" dirty="0" err="1" smtClean="0"/>
+              <a:t>seguros</a:t>
+            </a:r>
+            <a:r>
+              <a:rPr lang="en-US" sz="3200" dirty="0" smtClean="0"/>
+              <a:t>.</a:t>
+            </a:r>
+          </a:p>
+        </p:txBody>
+      </p:sp>
     </p:spTree>
     <p:extLst>
       <p:ext uri="{BB962C8B-B14F-4D97-AF65-F5344CB8AC3E}">
-        <p14:creationId xmlns:p14="http://schemas.microsoft.com/office/powerpoint/2010/main" val="1819135733"/>
+        <p14:creationId xmlns:p14="http://schemas.microsoft.com/office/powerpoint/2010/main" val="1454997639"/>
       </p:ext>
     </p:extLst>
   </p:cSld>
@@ -4751,44 +6308,10 @@
           <a:lstStyle/>
           <a:p>
             <a:r>
-              <a:rPr lang="en-US" err="1" smtClean="0"/>
-              <a:t>Modelo</a:t>
-            </a:r>
-            <a:r>
-              <a:rPr lang="en-US" smtClean="0"/>
-              <a:t> de </a:t>
-            </a:r>
-            <a:r>
-              <a:rPr lang="en-US" err="1" smtClean="0"/>
-              <a:t>datos</a:t>
-            </a:r>
-            <a:r>
-              <a:rPr lang="en-US" smtClean="0"/>
-              <a:t/>
-            </a:r>
-            <a:br>
-              <a:rPr lang="en-US" smtClean="0"/>
-            </a:br>
-            <a:endParaRPr lang="en-US"/>
-          </a:p>
-        </p:txBody>
-      </p:sp>
-      <p:sp>
-        <p:nvSpPr>
-          <p:cNvPr id="3" name="Content Placeholder 2"/>
-          <p:cNvSpPr>
-            <a:spLocks noGrp="1"/>
-          </p:cNvSpPr>
-          <p:nvPr>
-            <p:ph idx="1"/>
-          </p:nvPr>
-        </p:nvSpPr>
-        <p:spPr/>
-        <p:txBody>
-          <a:bodyPr/>
-          <a:lstStyle/>
-          <a:p>
-            <a:endParaRPr lang="en-US"/>
+              <a:rPr lang="en-US" dirty="0" err="1" smtClean="0"/>
+              <a:t>Arquitectura</a:t>
+            </a:r>
+            <a:endParaRPr lang="en-US" dirty="0"/>
           </a:p>
         </p:txBody>
       </p:sp>
@@ -4817,10 +6340,122 @@
           </a:p>
         </p:txBody>
       </p:sp>
+      <p:sp>
+        <p:nvSpPr>
+          <p:cNvPr id="3" name="Content Placeholder 2"/>
+          <p:cNvSpPr>
+            <a:spLocks noGrp="1"/>
+          </p:cNvSpPr>
+          <p:nvPr>
+            <p:ph idx="1"/>
+          </p:nvPr>
+        </p:nvSpPr>
+        <p:spPr/>
+        <p:txBody>
+          <a:bodyPr>
+            <a:normAutofit/>
+          </a:bodyPr>
+          <a:lstStyle/>
+          <a:p>
+            <a:pPr lvl="1"/>
+            <a:endParaRPr lang="en-US" sz="3200" dirty="0" smtClean="0"/>
+          </a:p>
+          <a:p>
+            <a:pPr lvl="1"/>
+            <a:endParaRPr lang="en-US" sz="3200" dirty="0"/>
+          </a:p>
+          <a:p>
+            <a:pPr lvl="1"/>
+            <a:r>
+              <a:rPr lang="en-US" sz="3200" dirty="0" smtClean="0"/>
+              <a:t>Web app: </a:t>
+            </a:r>
+            <a:r>
+              <a:rPr lang="en-US" sz="3200" dirty="0" err="1" smtClean="0"/>
+              <a:t>sitio</a:t>
+            </a:r>
+            <a:r>
+              <a:rPr lang="en-US" sz="3200" dirty="0" smtClean="0"/>
+              <a:t> web que </a:t>
+            </a:r>
+            <a:r>
+              <a:rPr lang="en-US" sz="3200" dirty="0" err="1" smtClean="0"/>
+              <a:t>provee</a:t>
+            </a:r>
+            <a:r>
+              <a:rPr lang="en-US" sz="3200" dirty="0" smtClean="0"/>
+              <a:t> las </a:t>
+            </a:r>
+            <a:r>
+              <a:rPr lang="en-US" sz="3200" dirty="0" err="1" smtClean="0"/>
+              <a:t>funcionalidades</a:t>
+            </a:r>
+            <a:r>
+              <a:rPr lang="en-US" sz="3200" dirty="0" smtClean="0"/>
+              <a:t> para </a:t>
+            </a:r>
+            <a:r>
+              <a:rPr lang="en-US" sz="3200" dirty="0" err="1" smtClean="0"/>
+              <a:t>los</a:t>
+            </a:r>
+            <a:r>
+              <a:rPr lang="en-US" sz="3200" dirty="0" smtClean="0"/>
+              <a:t> </a:t>
+            </a:r>
+            <a:r>
+              <a:rPr lang="en-US" sz="3200" dirty="0" err="1" smtClean="0"/>
+              <a:t>pacientes</a:t>
+            </a:r>
+            <a:r>
+              <a:rPr lang="en-US" sz="3200" dirty="0" smtClean="0"/>
+              <a:t>.</a:t>
+            </a:r>
+          </a:p>
+          <a:p>
+            <a:pPr lvl="1"/>
+            <a:r>
+              <a:rPr lang="en-US" sz="3200" dirty="0" smtClean="0"/>
+              <a:t>Payment service: </a:t>
+            </a:r>
+            <a:r>
+              <a:rPr lang="en-US" sz="3200" dirty="0" err="1" smtClean="0"/>
+              <a:t>servicio</a:t>
+            </a:r>
+            <a:r>
+              <a:rPr lang="en-US" sz="3200" dirty="0" smtClean="0"/>
+              <a:t> </a:t>
+            </a:r>
+            <a:r>
+              <a:rPr lang="en-US" sz="3200" dirty="0" err="1" smtClean="0"/>
+              <a:t>automatizado</a:t>
+            </a:r>
+            <a:r>
+              <a:rPr lang="en-US" sz="3200" dirty="0" smtClean="0"/>
+              <a:t> de </a:t>
+            </a:r>
+            <a:r>
+              <a:rPr lang="en-US" sz="3200" dirty="0" err="1" smtClean="0"/>
+              <a:t>pagos</a:t>
+            </a:r>
+            <a:r>
+              <a:rPr lang="en-US" sz="3200" dirty="0" smtClean="0"/>
+              <a:t> de </a:t>
+            </a:r>
+            <a:r>
+              <a:rPr lang="en-US" sz="3200" dirty="0" err="1" smtClean="0"/>
+              <a:t>honorarios</a:t>
+            </a:r>
+            <a:r>
+              <a:rPr lang="en-US" sz="3200" dirty="0" smtClean="0"/>
+              <a:t>.</a:t>
+            </a:r>
+          </a:p>
+        </p:txBody>
+      </p:sp>
     </p:spTree>
     <p:extLst>
       <p:ext uri="{BB962C8B-B14F-4D97-AF65-F5344CB8AC3E}">
-        <p14:creationId xmlns:p14="http://schemas.microsoft.com/office/powerpoint/2010/main" val="489582192"/>
+        <p14:creationId xmlns:p14="http://schemas.microsoft.com/office/powerpoint/2010/main" val="1176443811"/>
       </p:ext>
     </p:extLst>
   </p:cSld>
@@ -4857,47 +6492,25 @@
             <p:ph type="title"/>
           </p:nvPr>
         </p:nvSpPr>
-        <p:spPr/>
+        <p:spPr>
+          <a:xfrm>
+            <a:off x="2623312" y="2393984"/>
+            <a:ext cx="7211568" cy="1397124"/>
+          </a:xfrm>
+        </p:spPr>
         <p:txBody>
           <a:bodyPr/>
           <a:lstStyle/>
           <a:p>
             <a:r>
-              <a:rPr lang="en-US" err="1" smtClean="0"/>
-              <a:t>Capa</a:t>
-            </a:r>
-            <a:r>
-              <a:rPr lang="en-US" smtClean="0"/>
-              <a:t> de </a:t>
-            </a:r>
-            <a:r>
-              <a:rPr lang="en-US" err="1" smtClean="0"/>
-              <a:t>negocio</a:t>
-            </a:r>
-            <a:r>
-              <a:rPr lang="en-US" smtClean="0"/>
-              <a:t> web</a:t>
-            </a:r>
-            <a:endParaRPr lang="en-US"/>
-          </a:p>
-        </p:txBody>
-      </p:sp>
-      <p:sp>
-        <p:nvSpPr>
-          <p:cNvPr id="3" name="Content Placeholder 2"/>
-          <p:cNvSpPr>
-            <a:spLocks noGrp="1"/>
-          </p:cNvSpPr>
-          <p:nvPr>
-            <p:ph idx="1"/>
-          </p:nvPr>
-        </p:nvSpPr>
-        <p:spPr/>
-        <p:txBody>
-          <a:bodyPr/>
-          <a:lstStyle/>
-          <a:p>
-            <a:endParaRPr lang="en-US"/>
+              <a:rPr lang="en-US" dirty="0" smtClean="0"/>
+              <a:t>Matrices de </a:t>
+            </a:r>
+            <a:r>
+              <a:rPr lang="en-US" dirty="0" err="1" smtClean="0"/>
+              <a:t>trazabilidad</a:t>
+            </a:r>
+            <a:endParaRPr lang="en-US" dirty="0"/>
           </a:p>
         </p:txBody>
       </p:sp>
@@ -4929,7 +6542,7 @@
     </p:spTree>
     <p:extLst>
       <p:ext uri="{BB962C8B-B14F-4D97-AF65-F5344CB8AC3E}">
-        <p14:creationId xmlns:p14="http://schemas.microsoft.com/office/powerpoint/2010/main" val="1395784782"/>
+        <p14:creationId xmlns:p14="http://schemas.microsoft.com/office/powerpoint/2010/main" val="1513198101"/>
       </p:ext>
     </p:extLst>
   </p:cSld>
@@ -4972,44 +6585,66 @@
           <a:lstStyle/>
           <a:p>
             <a:r>
-              <a:rPr lang="en-US" err="1" smtClean="0"/>
-              <a:t>Capa</a:t>
-            </a:r>
-            <a:r>
-              <a:rPr lang="en-US" smtClean="0"/>
+              <a:rPr lang="en-US" dirty="0" err="1" smtClean="0"/>
+              <a:t>Matriz</a:t>
+            </a:r>
+            <a:r>
+              <a:rPr lang="en-US" dirty="0" smtClean="0"/>
+              <a:t>: </a:t>
+            </a:r>
+            <a:r>
+              <a:rPr lang="en-US" dirty="0" err="1" smtClean="0"/>
+              <a:t>Requerimientos</a:t>
+            </a:r>
+            <a:r>
+              <a:rPr lang="en-US" dirty="0" smtClean="0"/>
+              <a:t> vs </a:t>
+            </a:r>
+            <a:r>
+              <a:rPr lang="en-US" dirty="0" err="1" smtClean="0"/>
+              <a:t>Casos</a:t>
+            </a:r>
+            <a:r>
+              <a:rPr lang="en-US" dirty="0" smtClean="0"/>
               <a:t> de </a:t>
             </a:r>
             <a:r>
-              <a:rPr lang="en-US" err="1" smtClean="0"/>
-              <a:t>negocio</a:t>
-            </a:r>
-            <a:r>
-              <a:rPr lang="en-US" smtClean="0"/>
-              <a:t> terminal</a:t>
-            </a:r>
-            <a:endParaRPr lang="en-US"/>
-          </a:p>
-        </p:txBody>
-      </p:sp>
-      <p:sp>
-        <p:nvSpPr>
-          <p:cNvPr id="3" name="Content Placeholder 2"/>
-          <p:cNvSpPr>
-            <a:spLocks noGrp="1"/>
-          </p:cNvSpPr>
+              <a:rPr lang="en-US" dirty="0" err="1" smtClean="0"/>
+              <a:t>uso</a:t>
+            </a:r>
+            <a:endParaRPr lang="en-US" dirty="0"/>
+          </a:p>
+        </p:txBody>
+      </p:sp>
+      <p:pic>
+        <p:nvPicPr>
+          <p:cNvPr id="5" name="Content Placeholder 4"/>
+          <p:cNvPicPr>
+            <a:picLocks noGrp="1" noChangeAspect="1"/>
+          </p:cNvPicPr>
           <p:nvPr>
             <p:ph idx="1"/>
           </p:nvPr>
-        </p:nvSpPr>
-        <p:spPr/>
-        <p:txBody>
-          <a:bodyPr/>
-          <a:lstStyle/>
-          <a:p>
-            <a:endParaRPr lang="en-US"/>
-          </a:p>
-        </p:txBody>
-      </p:sp>
+        </p:nvPicPr>
+        <p:blipFill>
+          <a:blip r:embed="rId2">
+            <a:extLst>
+              <a:ext uri="{28A0092B-C50C-407E-A947-70E740481C1C}">
+                <a14:useLocalDpi xmlns:a14="http://schemas.microsoft.com/office/drawing/2010/main" val="0"/>
+              </a:ext>
+            </a:extLst>
+          </a:blip>
+          <a:stretch>
+            <a:fillRect/>
+          </a:stretch>
+        </p:blipFill>
+        <p:spPr>
+          <a:xfrm>
+            <a:off x="1261872" y="1691322"/>
+            <a:ext cx="3872353" cy="4351338"/>
+          </a:xfrm>
+        </p:spPr>
+      </p:pic>
       <p:sp>
         <p:nvSpPr>
           <p:cNvPr id="4" name="Slide Number Placeholder 3"/>
@@ -5035,10 +6670,258 @@
           </a:p>
         </p:txBody>
       </p:sp>
+      <p:sp>
+        <p:nvSpPr>
+          <p:cNvPr id="6" name="TextBox 5"/>
+          <p:cNvSpPr txBox="1"/>
+          <p:nvPr/>
+        </p:nvSpPr>
+        <p:spPr>
+          <a:xfrm>
+            <a:off x="6004560" y="1910080"/>
+            <a:ext cx="4450080" cy="1938992"/>
+          </a:xfrm>
+          <a:prstGeom prst="rect">
+            <a:avLst/>
+          </a:prstGeom>
+          <a:noFill/>
+        </p:spPr>
+        <p:txBody>
+          <a:bodyPr wrap="square" rtlCol="0">
+            <a:spAutoFit/>
+          </a:bodyPr>
+          <a:lstStyle/>
+          <a:p>
+            <a:r>
+              <a:rPr lang="en-US" sz="2000" dirty="0" smtClean="0"/>
+              <a:t>100% de </a:t>
+            </a:r>
+            <a:r>
+              <a:rPr lang="en-US" sz="2000" dirty="0" err="1" smtClean="0"/>
+              <a:t>los</a:t>
+            </a:r>
+            <a:r>
+              <a:rPr lang="en-US" sz="2000" dirty="0" smtClean="0"/>
+              <a:t> </a:t>
+            </a:r>
+            <a:r>
+              <a:rPr lang="en-US" sz="2000" dirty="0" err="1" smtClean="0"/>
+              <a:t>requerimientos</a:t>
+            </a:r>
+            <a:r>
+              <a:rPr lang="en-US" sz="2000" dirty="0" smtClean="0"/>
+              <a:t> </a:t>
+            </a:r>
+            <a:r>
+              <a:rPr lang="en-US" sz="2000" dirty="0" err="1" smtClean="0"/>
+              <a:t>funcionales</a:t>
+            </a:r>
+            <a:r>
+              <a:rPr lang="en-US" sz="2000" dirty="0" smtClean="0"/>
+              <a:t/>
+            </a:r>
+            <a:br>
+              <a:rPr lang="en-US" sz="2000" dirty="0" smtClean="0"/>
+            </a:br>
+            <a:r>
+              <a:rPr lang="en-US" sz="2000" dirty="0" smtClean="0"/>
+              <a:t>y no </a:t>
+            </a:r>
+            <a:r>
+              <a:rPr lang="en-US" sz="2000" dirty="0" err="1" smtClean="0"/>
+              <a:t>funcionales</a:t>
+            </a:r>
+            <a:r>
+              <a:rPr lang="en-US" sz="2000" dirty="0" smtClean="0"/>
+              <a:t> </a:t>
+            </a:r>
+            <a:r>
+              <a:rPr lang="en-US" sz="2000" dirty="0" err="1" smtClean="0"/>
+              <a:t>cubiertos</a:t>
+            </a:r>
+            <a:r>
+              <a:rPr lang="en-US" sz="2000" dirty="0" smtClean="0"/>
+              <a:t> </a:t>
+            </a:r>
+            <a:r>
+              <a:rPr lang="en-US" sz="2000" dirty="0" err="1" smtClean="0"/>
+              <a:t>por</a:t>
+            </a:r>
+            <a:r>
+              <a:rPr lang="en-US" sz="2000" dirty="0" smtClean="0"/>
+              <a:t> </a:t>
+            </a:r>
+            <a:r>
+              <a:rPr lang="en-US" sz="2000" dirty="0" err="1" smtClean="0"/>
+              <a:t>casos</a:t>
+            </a:r>
+            <a:r>
+              <a:rPr lang="en-US" sz="2000" dirty="0" smtClean="0"/>
+              <a:t> de </a:t>
+            </a:r>
+            <a:r>
+              <a:rPr lang="en-US" sz="2000" dirty="0" err="1" smtClean="0"/>
+              <a:t>uso</a:t>
+            </a:r>
+            <a:endParaRPr lang="en-US" sz="2000" dirty="0" smtClean="0"/>
+          </a:p>
+          <a:p>
+            <a:r>
+              <a:rPr lang="en-US" sz="2000" dirty="0" smtClean="0"/>
+              <a:t>31 </a:t>
+            </a:r>
+            <a:r>
+              <a:rPr lang="en-US" sz="2000" dirty="0" err="1" smtClean="0"/>
+              <a:t>requerimientos</a:t>
+            </a:r>
+            <a:r>
+              <a:rPr lang="en-US" sz="2000" dirty="0" smtClean="0"/>
+              <a:t> </a:t>
+            </a:r>
+            <a:r>
+              <a:rPr lang="en-US" sz="2000" dirty="0" err="1" smtClean="0"/>
+              <a:t>funcionales</a:t>
+            </a:r>
+            <a:endParaRPr lang="en-US" sz="2000" dirty="0" smtClean="0"/>
+          </a:p>
+          <a:p>
+            <a:r>
+              <a:rPr lang="en-US" sz="2000" dirty="0" smtClean="0"/>
+              <a:t>26 </a:t>
+            </a:r>
+            <a:r>
+              <a:rPr lang="en-US" sz="2000" dirty="0" err="1" smtClean="0"/>
+              <a:t>casos</a:t>
+            </a:r>
+            <a:r>
+              <a:rPr lang="en-US" sz="2000" dirty="0" smtClean="0"/>
+              <a:t> de </a:t>
+            </a:r>
+            <a:r>
+              <a:rPr lang="en-US" sz="2000" dirty="0" err="1" smtClean="0"/>
+              <a:t>uso</a:t>
+            </a:r>
+            <a:endParaRPr lang="en-US" sz="2000" dirty="0"/>
+          </a:p>
+        </p:txBody>
+      </p:sp>
     </p:spTree>
     <p:extLst>
       <p:ext uri="{BB962C8B-B14F-4D97-AF65-F5344CB8AC3E}">
-        <p14:creationId xmlns:p14="http://schemas.microsoft.com/office/powerpoint/2010/main" val="1990954893"/>
+        <p14:creationId xmlns:p14="http://schemas.microsoft.com/office/powerpoint/2010/main" val="1210950647"/>
+      </p:ext>
+    </p:extLst>
+  </p:cSld>
+  <p:clrMapOvr>
+    <a:masterClrMapping/>
+  </p:clrMapOvr>
+</p:sld>
+</file>
+
+<file path=ppt/slides/slide9.xml><?xml version="1.0" encoding="utf-8"?>
+<p:sld xmlns:a="http://schemas.openxmlformats.org/drawingml/2006/main" xmlns:r="http://schemas.openxmlformats.org/officeDocument/2006/relationships" xmlns:p="http://schemas.openxmlformats.org/presentationml/2006/main">
+  <p:cSld>
+    <p:spTree>
+      <p:nvGrpSpPr>
+        <p:cNvPr id="1" name=""/>
+        <p:cNvGrpSpPr/>
+        <p:nvPr/>
+      </p:nvGrpSpPr>
+      <p:grpSpPr>
+        <a:xfrm>
+          <a:off x="0" y="0"/>
+          <a:ext cx="0" cy="0"/>
+          <a:chOff x="0" y="0"/>
+          <a:chExt cx="0" cy="0"/>
+        </a:xfrm>
+      </p:grpSpPr>
+      <p:sp>
+        <p:nvSpPr>
+          <p:cNvPr id="2" name="Title 1"/>
+          <p:cNvSpPr>
+            <a:spLocks noGrp="1"/>
+          </p:cNvSpPr>
+          <p:nvPr>
+            <p:ph type="title"/>
+          </p:nvPr>
+        </p:nvSpPr>
+        <p:spPr/>
+        <p:txBody>
+          <a:bodyPr/>
+          <a:lstStyle/>
+          <a:p>
+            <a:r>
+              <a:rPr lang="en-US" dirty="0" err="1" smtClean="0"/>
+              <a:t>Matriz</a:t>
+            </a:r>
+            <a:r>
+              <a:rPr lang="en-US" dirty="0" smtClean="0"/>
+              <a:t>: </a:t>
+            </a:r>
+            <a:r>
+              <a:rPr lang="en-US" dirty="0" err="1" smtClean="0"/>
+              <a:t>Requerimientos</a:t>
+            </a:r>
+            <a:r>
+              <a:rPr lang="en-US" dirty="0" smtClean="0"/>
+              <a:t> vs </a:t>
+            </a:r>
+            <a:r>
+              <a:rPr lang="en-US" dirty="0" err="1" smtClean="0"/>
+              <a:t>Clases</a:t>
+            </a:r>
+            <a:endParaRPr lang="en-US" dirty="0"/>
+          </a:p>
+        </p:txBody>
+      </p:sp>
+      <p:sp>
+        <p:nvSpPr>
+          <p:cNvPr id="4" name="Slide Number Placeholder 3"/>
+          <p:cNvSpPr>
+            <a:spLocks noGrp="1"/>
+          </p:cNvSpPr>
+          <p:nvPr>
+            <p:ph type="sldNum" sz="quarter" idx="12"/>
+          </p:nvPr>
+        </p:nvSpPr>
+        <p:spPr/>
+        <p:txBody>
+          <a:bodyPr>
+            <a:normAutofit lnSpcReduction="10000"/>
+          </a:bodyPr>
+          <a:lstStyle/>
+          <a:p>
+            <a:fld id="{66B77C49-310C-4D67-A641-7D2CCF3E3B8A}" type="slidenum">
+              <a:rPr lang="es-CL" smtClean="0"/>
+              <a:t>8</a:t>
+            </a:fld>
+            <a:endParaRPr lang="es-CL"/>
+          </a:p>
+        </p:txBody>
+      </p:sp>
+      <p:sp>
+        <p:nvSpPr>
+          <p:cNvPr id="3" name="Content Placeholder 2"/>
+          <p:cNvSpPr>
+            <a:spLocks noGrp="1"/>
+          </p:cNvSpPr>
+          <p:nvPr>
+            <p:ph idx="1"/>
+          </p:nvPr>
+        </p:nvSpPr>
+        <p:spPr/>
+        <p:txBody>
+          <a:bodyPr/>
+          <a:lstStyle/>
+          <a:p>
+            <a:endParaRPr lang="en-US" dirty="0"/>
+          </a:p>
+        </p:txBody>
+      </p:sp>
+    </p:spTree>
+    <p:extLst>
+      <p:ext uri="{BB962C8B-B14F-4D97-AF65-F5344CB8AC3E}">
+        <p14:creationId xmlns:p14="http://schemas.microsoft.com/office/powerpoint/2010/main" val="1141032399"/>
       </p:ext>
     </p:extLst>
   </p:cSld>

--- a/Plantilla presentacion final.pptx
+++ b/Plantilla presentacion final.pptx
@@ -23,8 +23,8 @@
     <p:sldId id="262" r:id="rId14"/>
     <p:sldId id="273" r:id="rId15"/>
     <p:sldId id="274" r:id="rId16"/>
-    <p:sldId id="263" r:id="rId17"/>
-    <p:sldId id="264" r:id="rId18"/>
+    <p:sldId id="264" r:id="rId17"/>
+    <p:sldId id="263" r:id="rId18"/>
   </p:sldIdLst>
   <p:sldSz cx="12192000" cy="6858000"/>
   <p:notesSz cx="6858000" cy="9144000"/>
@@ -5389,7 +5389,7 @@
             </a:r>
             <a:r>
               <a:rPr lang="en-US" smtClean="0"/>
-              <a:t> web</a:t>
+              <a:t> terminal</a:t>
             </a:r>
             <a:endParaRPr lang="en-US"/>
           </a:p>
@@ -5409,6 +5409,118 @@
         <p:txBody>
           <a:bodyPr/>
           <a:lstStyle/>
+          <a:p>
+            <a:r>
+              <a:rPr lang="en-US" dirty="0" err="1" smtClean="0"/>
+              <a:t>Actualmente</a:t>
+            </a:r>
+            <a:r>
+              <a:rPr lang="en-US" dirty="0" smtClean="0"/>
+              <a:t> </a:t>
+            </a:r>
+            <a:r>
+              <a:rPr lang="en-US" dirty="0" err="1" smtClean="0"/>
+              <a:t>en</a:t>
+            </a:r>
+            <a:r>
+              <a:rPr lang="en-US" dirty="0" smtClean="0"/>
+              <a:t> </a:t>
+            </a:r>
+            <a:r>
+              <a:rPr lang="en-US" dirty="0" err="1" smtClean="0"/>
+              <a:t>proceso</a:t>
+            </a:r>
+            <a:endParaRPr lang="en-US" dirty="0" smtClean="0"/>
+          </a:p>
+          <a:p>
+            <a:r>
+              <a:rPr lang="en-US" dirty="0" smtClean="0"/>
+              <a:t>50% de las </a:t>
+            </a:r>
+            <a:r>
+              <a:rPr lang="en-US" dirty="0" err="1" smtClean="0"/>
+              <a:t>funcionalidades</a:t>
+            </a:r>
+            <a:r>
+              <a:rPr lang="en-US" dirty="0" smtClean="0"/>
+              <a:t> </a:t>
+            </a:r>
+            <a:r>
+              <a:rPr lang="en-US" dirty="0" err="1" smtClean="0"/>
+              <a:t>implementadas</a:t>
+            </a:r>
+            <a:endParaRPr lang="en-US" dirty="0" smtClean="0"/>
+          </a:p>
+          <a:p>
+            <a:r>
+              <a:rPr lang="en-US" dirty="0" smtClean="0"/>
+              <a:t>22 tests </a:t>
+            </a:r>
+            <a:r>
+              <a:rPr lang="en-US" dirty="0" err="1" smtClean="0"/>
+              <a:t>unitarios</a:t>
+            </a:r>
+            <a:r>
+              <a:rPr lang="en-US" dirty="0" smtClean="0"/>
+              <a:t>, con </a:t>
+            </a:r>
+            <a:r>
+              <a:rPr lang="en-US" dirty="0" err="1" smtClean="0"/>
+              <a:t>cobertura</a:t>
+            </a:r>
+            <a:r>
+              <a:rPr lang="en-US" dirty="0" smtClean="0"/>
+              <a:t> de 68% del </a:t>
+            </a:r>
+            <a:r>
+              <a:rPr lang="en-US" dirty="0" err="1" smtClean="0"/>
+              <a:t>código</a:t>
+            </a:r>
+            <a:endParaRPr lang="en-US" dirty="0" smtClean="0"/>
+          </a:p>
+          <a:p>
+            <a:r>
+              <a:rPr lang="en-US" dirty="0" smtClean="0"/>
+              <a:t>El test </a:t>
+            </a:r>
+            <a:r>
+              <a:rPr lang="en-US" dirty="0" err="1" smtClean="0"/>
+              <a:t>unitario</a:t>
+            </a:r>
+            <a:r>
+              <a:rPr lang="en-US" dirty="0" smtClean="0"/>
+              <a:t> </a:t>
+            </a:r>
+            <a:r>
+              <a:rPr lang="en-US" dirty="0" err="1" smtClean="0"/>
+              <a:t>promedio</a:t>
+            </a:r>
+            <a:r>
+              <a:rPr lang="en-US" dirty="0" smtClean="0"/>
+              <a:t> </a:t>
+            </a:r>
+            <a:r>
+              <a:rPr lang="en-US" dirty="0" err="1" smtClean="0"/>
+              <a:t>tiene</a:t>
+            </a:r>
+            <a:r>
+              <a:rPr lang="en-US" dirty="0" smtClean="0"/>
+              <a:t> 2,5 </a:t>
+            </a:r>
+            <a:r>
+              <a:rPr lang="en-US" dirty="0" err="1" smtClean="0"/>
+              <a:t>casos</a:t>
+            </a:r>
+            <a:r>
+              <a:rPr lang="en-US" dirty="0" smtClean="0"/>
+              <a:t> de </a:t>
+            </a:r>
+            <a:r>
+              <a:rPr lang="en-US" dirty="0" err="1" smtClean="0"/>
+              <a:t>prueba</a:t>
+            </a:r>
+            <a:endParaRPr lang="en-US" dirty="0" smtClean="0"/>
+          </a:p>
           <a:p>
             <a:endParaRPr lang="en-US" dirty="0"/>
           </a:p>
@@ -5442,7 +5554,7 @@
     </p:spTree>
     <p:extLst>
       <p:ext uri="{BB962C8B-B14F-4D97-AF65-F5344CB8AC3E}">
-        <p14:creationId xmlns:p14="http://schemas.microsoft.com/office/powerpoint/2010/main" val="1395784782"/>
+        <p14:creationId xmlns:p14="http://schemas.microsoft.com/office/powerpoint/2010/main" val="1990954893"/>
       </p:ext>
     </p:extLst>
   </p:cSld>
@@ -5498,7 +5610,7 @@
             </a:r>
             <a:r>
               <a:rPr lang="en-US" smtClean="0"/>
-              <a:t> terminal</a:t>
+              <a:t> web</a:t>
             </a:r>
             <a:endParaRPr lang="en-US"/>
           </a:p>
@@ -5516,10 +5628,74 @@
         </p:nvSpPr>
         <p:spPr/>
         <p:txBody>
-          <a:bodyPr/>
-          <a:lstStyle/>
-          <a:p>
-            <a:endParaRPr lang="en-US"/>
+          <a:bodyPr>
+            <a:normAutofit/>
+          </a:bodyPr>
+          <a:lstStyle/>
+          <a:p>
+            <a:r>
+              <a:rPr lang="en-US" sz="4000" dirty="0" smtClean="0"/>
+              <a:t>3 </a:t>
+            </a:r>
+            <a:r>
+              <a:rPr lang="en-US" sz="4000" dirty="0" err="1" smtClean="0"/>
+              <a:t>clases</a:t>
+            </a:r>
+            <a:endParaRPr lang="en-US" sz="4000" dirty="0" smtClean="0"/>
+          </a:p>
+          <a:p>
+            <a:r>
+              <a:rPr lang="en-US" sz="4000" dirty="0" smtClean="0"/>
+              <a:t>100% de </a:t>
+            </a:r>
+            <a:r>
+              <a:rPr lang="en-US" sz="4000" dirty="0" err="1" smtClean="0"/>
+              <a:t>los</a:t>
+            </a:r>
+            <a:r>
+              <a:rPr lang="en-US" sz="4000" dirty="0" smtClean="0"/>
+              <a:t> tests </a:t>
+            </a:r>
+            <a:r>
+              <a:rPr lang="en-US" sz="4000" dirty="0" err="1" smtClean="0"/>
+              <a:t>pasando</a:t>
+            </a:r>
+            <a:endParaRPr lang="en-US" sz="4000" dirty="0" smtClean="0"/>
+          </a:p>
+          <a:p>
+            <a:r>
+              <a:rPr lang="en-US" sz="4000" dirty="0" err="1" smtClean="0"/>
+              <a:t>Promedio</a:t>
+            </a:r>
+            <a:r>
+              <a:rPr lang="en-US" sz="4000" dirty="0" smtClean="0"/>
+              <a:t> de 3 </a:t>
+            </a:r>
+            <a:r>
+              <a:rPr lang="en-US" sz="4000" dirty="0" err="1" smtClean="0"/>
+              <a:t>casos</a:t>
+            </a:r>
+            <a:r>
+              <a:rPr lang="en-US" sz="4000" dirty="0" smtClean="0"/>
+              <a:t> de </a:t>
+            </a:r>
+            <a:r>
+              <a:rPr lang="en-US" sz="4000" dirty="0" err="1" smtClean="0"/>
+              <a:t>prueba</a:t>
+            </a:r>
+            <a:r>
+              <a:rPr lang="en-US" sz="4000" dirty="0" smtClean="0"/>
+              <a:t> </a:t>
+            </a:r>
+            <a:r>
+              <a:rPr lang="en-US" sz="4000" dirty="0" err="1" smtClean="0"/>
+              <a:t>por</a:t>
+            </a:r>
+            <a:r>
+              <a:rPr lang="en-US" sz="4000" dirty="0" smtClean="0"/>
+              <a:t> test.</a:t>
+            </a:r>
+            <a:endParaRPr lang="en-US" sz="4000" dirty="0"/>
           </a:p>
         </p:txBody>
       </p:sp>
@@ -5551,7 +5727,7 @@
     </p:spTree>
     <p:extLst>
       <p:ext uri="{BB962C8B-B14F-4D97-AF65-F5344CB8AC3E}">
-        <p14:creationId xmlns:p14="http://schemas.microsoft.com/office/powerpoint/2010/main" val="1990954893"/>
+        <p14:creationId xmlns:p14="http://schemas.microsoft.com/office/powerpoint/2010/main" val="1395784782"/>
       </p:ext>
     </p:extLst>
   </p:cSld>
